--- a/- Presentation/Generative Adversarial Networks.pptx
+++ b/- Presentation/Generative Adversarial Networks.pptx
@@ -13216,25 +13216,35 @@
           </a:p>
         </p:txBody>
       </p:sp>
-      <p:sp>
-        <p:nvSpPr>
-          <p:cNvPr id="3" name="Content Placeholder 2"/>
-          <p:cNvSpPr>
-            <a:spLocks noGrp="1"/>
-          </p:cNvSpPr>
+      <p:pic>
+        <p:nvPicPr>
+          <p:cNvPr id="4" name="Content Placeholder 3"/>
+          <p:cNvPicPr>
+            <a:picLocks noGrp="1" noChangeAspect="1"/>
+          </p:cNvPicPr>
           <p:nvPr>
             <p:ph idx="1"/>
           </p:nvPr>
-        </p:nvSpPr>
-        <p:spPr/>
-        <p:txBody>
-          <a:bodyPr/>
-          <a:lstStyle/>
-          <a:p>
-            <a:endParaRPr lang="en-US" dirty="0"/>
-          </a:p>
-        </p:txBody>
-      </p:sp>
+        </p:nvPicPr>
+        <p:blipFill>
+          <a:blip r:embed="rId2">
+            <a:extLst>
+              <a:ext uri="{28A0092B-C50C-407E-A947-70E740481C1C}">
+                <a14:useLocalDpi xmlns:a14="http://schemas.microsoft.com/office/drawing/2010/main" val="0"/>
+              </a:ext>
+            </a:extLst>
+          </a:blip>
+          <a:stretch>
+            <a:fillRect/>
+          </a:stretch>
+        </p:blipFill>
+        <p:spPr>
+          <a:xfrm>
+            <a:off x="1403404" y="2249488"/>
+            <a:ext cx="9382018" cy="3541712"/>
+          </a:xfrm>
+        </p:spPr>
+      </p:pic>
     </p:spTree>
     <p:extLst>
       <p:ext uri="{BB962C8B-B14F-4D97-AF65-F5344CB8AC3E}">

--- a/- Presentation/Generative Adversarial Networks.pptx
+++ b/- Presentation/Generative Adversarial Networks.pptx
@@ -7,12 +7,16 @@
   <p:sldIdLst>
     <p:sldId id="256" r:id="rId2"/>
     <p:sldId id="257" r:id="rId3"/>
-    <p:sldId id="258" r:id="rId4"/>
-    <p:sldId id="259" r:id="rId5"/>
-    <p:sldId id="260" r:id="rId6"/>
-    <p:sldId id="261" r:id="rId7"/>
-    <p:sldId id="262" r:id="rId8"/>
-    <p:sldId id="263" r:id="rId9"/>
+    <p:sldId id="266" r:id="rId4"/>
+    <p:sldId id="258" r:id="rId5"/>
+    <p:sldId id="263" r:id="rId6"/>
+    <p:sldId id="267" r:id="rId7"/>
+    <p:sldId id="259" r:id="rId8"/>
+    <p:sldId id="260" r:id="rId9"/>
+    <p:sldId id="261" r:id="rId10"/>
+    <p:sldId id="262" r:id="rId11"/>
+    <p:sldId id="265" r:id="rId12"/>
+    <p:sldId id="264" r:id="rId13"/>
   </p:sldIdLst>
   <p:sldSz cx="12192000" cy="6858000"/>
   <p:notesSz cx="6858000" cy="9144000"/>
@@ -111,6 +115,11 @@
       </a:defRPr>
     </a:lvl9pPr>
   </p:defaultTextStyle>
+  <p:extLst>
+    <p:ext uri="{EFAFB233-063F-42B5-8137-9DF3F51BA10A}">
+      <p15:sldGuideLst xmlns:p15="http://schemas.microsoft.com/office/powerpoint/2012/main"/>
+    </p:ext>
+  </p:extLst>
 </p:presentation>
 </file>
 
@@ -164,7 +173,7 @@
           <a:noFill/>
           <a:extLst>
             <a:ext uri="{909E8E84-426E-40dd-AFC4-6F175D3DCCD1}">
-              <a14:hiddenFill xmlns:a14="http://schemas.microsoft.com/office/drawing/2010/main" xmlns="">
+              <a14:hiddenFill xmlns="" xmlns:a14="http://schemas.microsoft.com/office/drawing/2010/main">
                 <a:solidFill>
                   <a:srgbClr val="FFFFFF"/>
                 </a:solidFill>
@@ -224,7 +233,7 @@
             </a:ln>
             <a:extLst>
               <a:ext uri="{91240B29-F687-4f45-9708-019B960494DF}">
-                <a14:hiddenLine xmlns:a14="http://schemas.microsoft.com/office/drawing/2010/main" xmlns="" w="9525">
+                <a14:hiddenLine xmlns="" xmlns:a14="http://schemas.microsoft.com/office/drawing/2010/main" w="9525">
                   <a:solidFill>
                     <a:srgbClr val="000000"/>
                   </a:solidFill>
@@ -314,7 +323,7 @@
             </a:ln>
             <a:extLst>
               <a:ext uri="{91240B29-F687-4f45-9708-019B960494DF}">
-                <a14:hiddenLine xmlns:a14="http://schemas.microsoft.com/office/drawing/2010/main" xmlns="" w="9525">
+                <a14:hiddenLine xmlns="" xmlns:a14="http://schemas.microsoft.com/office/drawing/2010/main" w="9525">
                   <a:solidFill>
                     <a:srgbClr val="000000"/>
                   </a:solidFill>
@@ -404,7 +413,7 @@
             </a:ln>
             <a:extLst>
               <a:ext uri="{91240B29-F687-4f45-9708-019B960494DF}">
-                <a14:hiddenLine xmlns:a14="http://schemas.microsoft.com/office/drawing/2010/main" xmlns="" w="9525">
+                <a14:hiddenLine xmlns="" xmlns:a14="http://schemas.microsoft.com/office/drawing/2010/main" w="9525">
                   <a:solidFill>
                     <a:srgbClr val="000000"/>
                   </a:solidFill>
@@ -438,7 +447,7 @@
             </a:ln>
             <a:extLst>
               <a:ext uri="{91240B29-F687-4f45-9708-019B960494DF}">
-                <a14:hiddenLine xmlns:a14="http://schemas.microsoft.com/office/drawing/2010/main" xmlns="" w="9525">
+                <a14:hiddenLine xmlns="" xmlns:a14="http://schemas.microsoft.com/office/drawing/2010/main" w="9525">
                   <a:solidFill>
                     <a:srgbClr val="000000"/>
                   </a:solidFill>
@@ -528,7 +537,7 @@
             </a:ln>
             <a:extLst>
               <a:ext uri="{91240B29-F687-4f45-9708-019B960494DF}">
-                <a14:hiddenLine xmlns:a14="http://schemas.microsoft.com/office/drawing/2010/main" xmlns="" w="9525">
+                <a14:hiddenLine xmlns="" xmlns:a14="http://schemas.microsoft.com/office/drawing/2010/main" w="9525">
                   <a:solidFill>
                     <a:srgbClr val="000000"/>
                   </a:solidFill>
@@ -590,7 +599,7 @@
             </a:ln>
             <a:extLst>
               <a:ext uri="{91240B29-F687-4f45-9708-019B960494DF}">
-                <a14:hiddenLine xmlns:a14="http://schemas.microsoft.com/office/drawing/2010/main" xmlns="" w="9525">
+                <a14:hiddenLine xmlns="" xmlns:a14="http://schemas.microsoft.com/office/drawing/2010/main" w="9525">
                   <a:solidFill>
                     <a:srgbClr val="000000"/>
                   </a:solidFill>
@@ -652,7 +661,7 @@
             </a:ln>
             <a:extLst>
               <a:ext uri="{91240B29-F687-4f45-9708-019B960494DF}">
-                <a14:hiddenLine xmlns:a14="http://schemas.microsoft.com/office/drawing/2010/main" xmlns="" w="9525">
+                <a14:hiddenLine xmlns="" xmlns:a14="http://schemas.microsoft.com/office/drawing/2010/main" w="9525">
                   <a:solidFill>
                     <a:srgbClr val="000000"/>
                   </a:solidFill>
@@ -742,7 +751,7 @@
             </a:ln>
             <a:extLst>
               <a:ext uri="{91240B29-F687-4f45-9708-019B960494DF}">
-                <a14:hiddenLine xmlns:a14="http://schemas.microsoft.com/office/drawing/2010/main" xmlns="" w="9525">
+                <a14:hiddenLine xmlns="" xmlns:a14="http://schemas.microsoft.com/office/drawing/2010/main" w="9525">
                   <a:solidFill>
                     <a:srgbClr val="000000"/>
                   </a:solidFill>
@@ -804,7 +813,7 @@
             </a:ln>
             <a:extLst>
               <a:ext uri="{91240B29-F687-4f45-9708-019B960494DF}">
-                <a14:hiddenLine xmlns:a14="http://schemas.microsoft.com/office/drawing/2010/main" xmlns="" w="9525">
+                <a14:hiddenLine xmlns="" xmlns:a14="http://schemas.microsoft.com/office/drawing/2010/main" w="9525">
                   <a:solidFill>
                     <a:srgbClr val="000000"/>
                   </a:solidFill>
@@ -866,7 +875,7 @@
             </a:ln>
             <a:extLst>
               <a:ext uri="{91240B29-F687-4f45-9708-019B960494DF}">
-                <a14:hiddenLine xmlns:a14="http://schemas.microsoft.com/office/drawing/2010/main" xmlns="" w="9525">
+                <a14:hiddenLine xmlns="" xmlns:a14="http://schemas.microsoft.com/office/drawing/2010/main" w="9525">
                   <a:solidFill>
                     <a:srgbClr val="000000"/>
                   </a:solidFill>
@@ -956,7 +965,7 @@
             </a:ln>
             <a:extLst>
               <a:ext uri="{91240B29-F687-4f45-9708-019B960494DF}">
-                <a14:hiddenLine xmlns:a14="http://schemas.microsoft.com/office/drawing/2010/main" xmlns="" w="9525">
+                <a14:hiddenLine xmlns="" xmlns:a14="http://schemas.microsoft.com/office/drawing/2010/main" w="9525">
                   <a:solidFill>
                     <a:srgbClr val="000000"/>
                   </a:solidFill>
@@ -1046,7 +1055,7 @@
             </a:ln>
             <a:extLst>
               <a:ext uri="{91240B29-F687-4f45-9708-019B960494DF}">
-                <a14:hiddenLine xmlns:a14="http://schemas.microsoft.com/office/drawing/2010/main" xmlns="" w="9525">
+                <a14:hiddenLine xmlns="" xmlns:a14="http://schemas.microsoft.com/office/drawing/2010/main" w="9525">
                   <a:solidFill>
                     <a:srgbClr val="000000"/>
                   </a:solidFill>
@@ -1108,7 +1117,7 @@
             </a:ln>
             <a:extLst>
               <a:ext uri="{91240B29-F687-4f45-9708-019B960494DF}">
-                <a14:hiddenLine xmlns:a14="http://schemas.microsoft.com/office/drawing/2010/main" xmlns="" w="9525">
+                <a14:hiddenLine xmlns="" xmlns:a14="http://schemas.microsoft.com/office/drawing/2010/main" w="9525">
                   <a:solidFill>
                     <a:srgbClr val="000000"/>
                   </a:solidFill>
@@ -1218,7 +1227,7 @@
             </a:ln>
             <a:extLst>
               <a:ext uri="{91240B29-F687-4f45-9708-019B960494DF}">
-                <a14:hiddenLine xmlns:a14="http://schemas.microsoft.com/office/drawing/2010/main" xmlns="" w="9525">
+                <a14:hiddenLine xmlns="" xmlns:a14="http://schemas.microsoft.com/office/drawing/2010/main" w="9525">
                   <a:solidFill>
                     <a:srgbClr val="000000"/>
                   </a:solidFill>
@@ -1280,7 +1289,7 @@
             </a:ln>
             <a:extLst>
               <a:ext uri="{91240B29-F687-4f45-9708-019B960494DF}">
-                <a14:hiddenLine xmlns:a14="http://schemas.microsoft.com/office/drawing/2010/main" xmlns="" w="9525">
+                <a14:hiddenLine xmlns="" xmlns:a14="http://schemas.microsoft.com/office/drawing/2010/main" w="9525">
                   <a:solidFill>
                     <a:srgbClr val="000000"/>
                   </a:solidFill>
@@ -1370,7 +1379,7 @@
             </a:ln>
             <a:extLst>
               <a:ext uri="{91240B29-F687-4f45-9708-019B960494DF}">
-                <a14:hiddenLine xmlns:a14="http://schemas.microsoft.com/office/drawing/2010/main" xmlns="" w="9525">
+                <a14:hiddenLine xmlns="" xmlns:a14="http://schemas.microsoft.com/office/drawing/2010/main" w="9525">
                   <a:solidFill>
                     <a:srgbClr val="000000"/>
                   </a:solidFill>
@@ -1460,7 +1469,7 @@
             </a:ln>
             <a:extLst>
               <a:ext uri="{91240B29-F687-4f45-9708-019B960494DF}">
-                <a14:hiddenLine xmlns:a14="http://schemas.microsoft.com/office/drawing/2010/main" xmlns="" w="9525">
+                <a14:hiddenLine xmlns="" xmlns:a14="http://schemas.microsoft.com/office/drawing/2010/main" w="9525">
                   <a:solidFill>
                     <a:srgbClr val="000000"/>
                   </a:solidFill>
@@ -1522,7 +1531,7 @@
             </a:ln>
             <a:extLst>
               <a:ext uri="{91240B29-F687-4f45-9708-019B960494DF}">
-                <a14:hiddenLine xmlns:a14="http://schemas.microsoft.com/office/drawing/2010/main" xmlns="" w="9525">
+                <a14:hiddenLine xmlns="" xmlns:a14="http://schemas.microsoft.com/office/drawing/2010/main" w="9525">
                   <a:solidFill>
                     <a:srgbClr val="000000"/>
                   </a:solidFill>
@@ -1612,7 +1621,7 @@
             </a:ln>
             <a:extLst>
               <a:ext uri="{91240B29-F687-4f45-9708-019B960494DF}">
-                <a14:hiddenLine xmlns:a14="http://schemas.microsoft.com/office/drawing/2010/main" xmlns="" w="9525">
+                <a14:hiddenLine xmlns="" xmlns:a14="http://schemas.microsoft.com/office/drawing/2010/main" w="9525">
                   <a:solidFill>
                     <a:srgbClr val="000000"/>
                   </a:solidFill>
@@ -1702,7 +1711,7 @@
             </a:ln>
             <a:extLst>
               <a:ext uri="{91240B29-F687-4f45-9708-019B960494DF}">
-                <a14:hiddenLine xmlns:a14="http://schemas.microsoft.com/office/drawing/2010/main" xmlns="" w="9525">
+                <a14:hiddenLine xmlns="" xmlns:a14="http://schemas.microsoft.com/office/drawing/2010/main" w="9525">
                   <a:solidFill>
                     <a:srgbClr val="000000"/>
                   </a:solidFill>
@@ -1758,7 +1767,7 @@
             </a:ln>
             <a:extLst>
               <a:ext uri="{91240B29-F687-4f45-9708-019B960494DF}">
-                <a14:hiddenLine xmlns:a14="http://schemas.microsoft.com/office/drawing/2010/main" xmlns="" w="9525">
+                <a14:hiddenLine xmlns="" xmlns:a14="http://schemas.microsoft.com/office/drawing/2010/main" w="9525">
                   <a:solidFill>
                     <a:srgbClr val="000000"/>
                   </a:solidFill>
@@ -1848,7 +1857,7 @@
             </a:ln>
             <a:extLst>
               <a:ext uri="{91240B29-F687-4f45-9708-019B960494DF}">
-                <a14:hiddenLine xmlns:a14="http://schemas.microsoft.com/office/drawing/2010/main" xmlns="" w="9525">
+                <a14:hiddenLine xmlns="" xmlns:a14="http://schemas.microsoft.com/office/drawing/2010/main" w="9525">
                   <a:solidFill>
                     <a:srgbClr val="000000"/>
                   </a:solidFill>
@@ -1904,7 +1913,7 @@
             </a:ln>
             <a:extLst>
               <a:ext uri="{91240B29-F687-4f45-9708-019B960494DF}">
-                <a14:hiddenLine xmlns:a14="http://schemas.microsoft.com/office/drawing/2010/main" xmlns="" w="9525">
+                <a14:hiddenLine xmlns="" xmlns:a14="http://schemas.microsoft.com/office/drawing/2010/main" w="9525">
                   <a:solidFill>
                     <a:srgbClr val="000000"/>
                   </a:solidFill>
@@ -1994,7 +2003,7 @@
             </a:ln>
             <a:extLst>
               <a:ext uri="{91240B29-F687-4f45-9708-019B960494DF}">
-                <a14:hiddenLine xmlns:a14="http://schemas.microsoft.com/office/drawing/2010/main" xmlns="" w="9525">
+                <a14:hiddenLine xmlns="" xmlns:a14="http://schemas.microsoft.com/office/drawing/2010/main" w="9525">
                   <a:solidFill>
                     <a:srgbClr val="000000"/>
                   </a:solidFill>
@@ -2062,7 +2071,7 @@
             </a:ln>
             <a:extLst>
               <a:ext uri="{91240B29-F687-4f45-9708-019B960494DF}">
-                <a14:hiddenLine xmlns:a14="http://schemas.microsoft.com/office/drawing/2010/main" xmlns="" w="9525">
+                <a14:hiddenLine xmlns="" xmlns:a14="http://schemas.microsoft.com/office/drawing/2010/main" w="9525">
                   <a:solidFill>
                     <a:srgbClr val="000000"/>
                   </a:solidFill>
@@ -2152,7 +2161,7 @@
             </a:ln>
             <a:extLst>
               <a:ext uri="{91240B29-F687-4f45-9708-019B960494DF}">
-                <a14:hiddenLine xmlns:a14="http://schemas.microsoft.com/office/drawing/2010/main" xmlns="" w="9525">
+                <a14:hiddenLine xmlns="" xmlns:a14="http://schemas.microsoft.com/office/drawing/2010/main" w="9525">
                   <a:solidFill>
                     <a:srgbClr val="000000"/>
                   </a:solidFill>
@@ -2220,7 +2229,7 @@
             </a:ln>
             <a:extLst>
               <a:ext uri="{91240B29-F687-4f45-9708-019B960494DF}">
-                <a14:hiddenLine xmlns:a14="http://schemas.microsoft.com/office/drawing/2010/main" xmlns="" w="9525">
+                <a14:hiddenLine xmlns="" xmlns:a14="http://schemas.microsoft.com/office/drawing/2010/main" w="9525">
                   <a:solidFill>
                     <a:srgbClr val="000000"/>
                   </a:solidFill>
@@ -2310,7 +2319,7 @@
             </a:ln>
             <a:extLst>
               <a:ext uri="{91240B29-F687-4f45-9708-019B960494DF}">
-                <a14:hiddenLine xmlns:a14="http://schemas.microsoft.com/office/drawing/2010/main" xmlns="" w="9525">
+                <a14:hiddenLine xmlns="" xmlns:a14="http://schemas.microsoft.com/office/drawing/2010/main" w="9525">
                   <a:solidFill>
                     <a:srgbClr val="000000"/>
                   </a:solidFill>
@@ -2344,7 +2353,7 @@
             </a:ln>
             <a:extLst>
               <a:ext uri="{91240B29-F687-4f45-9708-019B960494DF}">
-                <a14:hiddenLine xmlns:a14="http://schemas.microsoft.com/office/drawing/2010/main" xmlns="" w="9525">
+                <a14:hiddenLine xmlns="" xmlns:a14="http://schemas.microsoft.com/office/drawing/2010/main" w="9525">
                   <a:solidFill>
                     <a:srgbClr val="000000"/>
                   </a:solidFill>
@@ -2434,7 +2443,7 @@
             </a:ln>
             <a:extLst>
               <a:ext uri="{91240B29-F687-4f45-9708-019B960494DF}">
-                <a14:hiddenLine xmlns:a14="http://schemas.microsoft.com/office/drawing/2010/main" xmlns="" w="9525">
+                <a14:hiddenLine xmlns="" xmlns:a14="http://schemas.microsoft.com/office/drawing/2010/main" w="9525">
                   <a:solidFill>
                     <a:srgbClr val="000000"/>
                   </a:solidFill>
@@ -2496,7 +2505,7 @@
             </a:ln>
             <a:extLst>
               <a:ext uri="{91240B29-F687-4f45-9708-019B960494DF}">
-                <a14:hiddenLine xmlns:a14="http://schemas.microsoft.com/office/drawing/2010/main" xmlns="" w="9525">
+                <a14:hiddenLine xmlns="" xmlns:a14="http://schemas.microsoft.com/office/drawing/2010/main" w="9525">
                   <a:solidFill>
                     <a:srgbClr val="000000"/>
                   </a:solidFill>
@@ -2558,7 +2567,7 @@
             </a:ln>
             <a:extLst>
               <a:ext uri="{91240B29-F687-4f45-9708-019B960494DF}">
-                <a14:hiddenLine xmlns:a14="http://schemas.microsoft.com/office/drawing/2010/main" xmlns="" w="9525">
+                <a14:hiddenLine xmlns="" xmlns:a14="http://schemas.microsoft.com/office/drawing/2010/main" w="9525">
                   <a:solidFill>
                     <a:srgbClr val="000000"/>
                   </a:solidFill>
@@ -2648,7 +2657,7 @@
             </a:ln>
             <a:extLst>
               <a:ext uri="{91240B29-F687-4f45-9708-019B960494DF}">
-                <a14:hiddenLine xmlns:a14="http://schemas.microsoft.com/office/drawing/2010/main" xmlns="" w="9525">
+                <a14:hiddenLine xmlns="" xmlns:a14="http://schemas.microsoft.com/office/drawing/2010/main" w="9525">
                   <a:solidFill>
                     <a:srgbClr val="000000"/>
                   </a:solidFill>
@@ -2716,7 +2725,7 @@
             </a:ln>
             <a:extLst>
               <a:ext uri="{91240B29-F687-4f45-9708-019B960494DF}">
-                <a14:hiddenLine xmlns:a14="http://schemas.microsoft.com/office/drawing/2010/main" xmlns="" w="9525">
+                <a14:hiddenLine xmlns="" xmlns:a14="http://schemas.microsoft.com/office/drawing/2010/main" w="9525">
                   <a:solidFill>
                     <a:srgbClr val="000000"/>
                   </a:solidFill>
@@ -2778,7 +2787,7 @@
             </a:ln>
             <a:extLst>
               <a:ext uri="{91240B29-F687-4f45-9708-019B960494DF}">
-                <a14:hiddenLine xmlns:a14="http://schemas.microsoft.com/office/drawing/2010/main" xmlns="" w="9525">
+                <a14:hiddenLine xmlns="" xmlns:a14="http://schemas.microsoft.com/office/drawing/2010/main" w="9525">
                   <a:solidFill>
                     <a:srgbClr val="000000"/>
                   </a:solidFill>
@@ -2868,7 +2877,7 @@
             </a:ln>
             <a:extLst>
               <a:ext uri="{91240B29-F687-4f45-9708-019B960494DF}">
-                <a14:hiddenLine xmlns:a14="http://schemas.microsoft.com/office/drawing/2010/main" xmlns="" w="9525">
+                <a14:hiddenLine xmlns="" xmlns:a14="http://schemas.microsoft.com/office/drawing/2010/main" w="9525">
                   <a:solidFill>
                     <a:srgbClr val="000000"/>
                   </a:solidFill>
@@ -2930,7 +2939,7 @@
             </a:ln>
             <a:extLst>
               <a:ext uri="{91240B29-F687-4f45-9708-019B960494DF}">
-                <a14:hiddenLine xmlns:a14="http://schemas.microsoft.com/office/drawing/2010/main" xmlns="" w="9525">
+                <a14:hiddenLine xmlns="" xmlns:a14="http://schemas.microsoft.com/office/drawing/2010/main" w="9525">
                   <a:solidFill>
                     <a:srgbClr val="000000"/>
                   </a:solidFill>
@@ -3020,7 +3029,7 @@
             </a:ln>
             <a:extLst>
               <a:ext uri="{91240B29-F687-4f45-9708-019B960494DF}">
-                <a14:hiddenLine xmlns:a14="http://schemas.microsoft.com/office/drawing/2010/main" xmlns="" w="9525">
+                <a14:hiddenLine xmlns="" xmlns:a14="http://schemas.microsoft.com/office/drawing/2010/main" w="9525">
                   <a:solidFill>
                     <a:srgbClr val="000000"/>
                   </a:solidFill>
@@ -3082,7 +3091,7 @@
             </a:ln>
             <a:extLst>
               <a:ext uri="{91240B29-F687-4f45-9708-019B960494DF}">
-                <a14:hiddenLine xmlns:a14="http://schemas.microsoft.com/office/drawing/2010/main" xmlns="" w="9525">
+                <a14:hiddenLine xmlns="" xmlns:a14="http://schemas.microsoft.com/office/drawing/2010/main" w="9525">
                   <a:solidFill>
                     <a:srgbClr val="000000"/>
                   </a:solidFill>
@@ -3172,7 +3181,7 @@
             </a:ln>
             <a:extLst>
               <a:ext uri="{91240B29-F687-4f45-9708-019B960494DF}">
-                <a14:hiddenLine xmlns:a14="http://schemas.microsoft.com/office/drawing/2010/main" xmlns="" w="9525">
+                <a14:hiddenLine xmlns="" xmlns:a14="http://schemas.microsoft.com/office/drawing/2010/main" w="9525">
                   <a:solidFill>
                     <a:srgbClr val="000000"/>
                   </a:solidFill>
@@ -3206,7 +3215,7 @@
             </a:ln>
             <a:extLst>
               <a:ext uri="{91240B29-F687-4f45-9708-019B960494DF}">
-                <a14:hiddenLine xmlns:a14="http://schemas.microsoft.com/office/drawing/2010/main" xmlns="" w="9525">
+                <a14:hiddenLine xmlns="" xmlns:a14="http://schemas.microsoft.com/office/drawing/2010/main" w="9525">
                   <a:solidFill>
                     <a:srgbClr val="000000"/>
                   </a:solidFill>
@@ -3271,7 +3280,7 @@
             </a:ln>
             <a:extLst>
               <a:ext uri="{91240B29-F687-4f45-9708-019B960494DF}">
-                <a14:hiddenLine xmlns:a14="http://schemas.microsoft.com/office/drawing/2010/main" xmlns="" w="9525">
+                <a14:hiddenLine xmlns="" xmlns:a14="http://schemas.microsoft.com/office/drawing/2010/main" w="9525">
                   <a:solidFill>
                     <a:srgbClr val="000000"/>
                   </a:solidFill>
@@ -3361,7 +3370,7 @@
             </a:ln>
             <a:extLst>
               <a:ext uri="{91240B29-F687-4f45-9708-019B960494DF}">
-                <a14:hiddenLine xmlns:a14="http://schemas.microsoft.com/office/drawing/2010/main" xmlns="" w="9525">
+                <a14:hiddenLine xmlns="" xmlns:a14="http://schemas.microsoft.com/office/drawing/2010/main" w="9525">
                   <a:solidFill>
                     <a:srgbClr val="000000"/>
                   </a:solidFill>
@@ -3423,7 +3432,7 @@
             </a:ln>
             <a:extLst>
               <a:ext uri="{91240B29-F687-4f45-9708-019B960494DF}">
-                <a14:hiddenLine xmlns:a14="http://schemas.microsoft.com/office/drawing/2010/main" xmlns="" w="9525">
+                <a14:hiddenLine xmlns="" xmlns:a14="http://schemas.microsoft.com/office/drawing/2010/main" w="9525">
                   <a:solidFill>
                     <a:srgbClr val="000000"/>
                   </a:solidFill>
@@ -3513,7 +3522,7 @@
             </a:ln>
             <a:extLst>
               <a:ext uri="{91240B29-F687-4f45-9708-019B960494DF}">
-                <a14:hiddenLine xmlns:a14="http://schemas.microsoft.com/office/drawing/2010/main" xmlns="" w="9525">
+                <a14:hiddenLine xmlns="" xmlns:a14="http://schemas.microsoft.com/office/drawing/2010/main" w="9525">
                   <a:solidFill>
                     <a:srgbClr val="000000"/>
                   </a:solidFill>
@@ -3603,7 +3612,7 @@
             </a:ln>
             <a:extLst>
               <a:ext uri="{91240B29-F687-4f45-9708-019B960494DF}">
-                <a14:hiddenLine xmlns:a14="http://schemas.microsoft.com/office/drawing/2010/main" xmlns="" w="9525">
+                <a14:hiddenLine xmlns="" xmlns:a14="http://schemas.microsoft.com/office/drawing/2010/main" w="9525">
                   <a:solidFill>
                     <a:srgbClr val="000000"/>
                   </a:solidFill>
@@ -3668,7 +3677,7 @@
             </a:ln>
             <a:extLst>
               <a:ext uri="{91240B29-F687-4f45-9708-019B960494DF}">
-                <a14:hiddenLine xmlns:a14="http://schemas.microsoft.com/office/drawing/2010/main" xmlns="" w="9525">
+                <a14:hiddenLine xmlns="" xmlns:a14="http://schemas.microsoft.com/office/drawing/2010/main" w="9525">
                   <a:solidFill>
                     <a:srgbClr val="000000"/>
                   </a:solidFill>
@@ -3730,7 +3739,7 @@
             </a:ln>
             <a:extLst>
               <a:ext uri="{91240B29-F687-4f45-9708-019B960494DF}">
-                <a14:hiddenLine xmlns:a14="http://schemas.microsoft.com/office/drawing/2010/main" xmlns="" w="9525">
+                <a14:hiddenLine xmlns="" xmlns:a14="http://schemas.microsoft.com/office/drawing/2010/main" w="9525">
                   <a:solidFill>
                     <a:srgbClr val="000000"/>
                   </a:solidFill>
@@ -3820,7 +3829,7 @@
             </a:ln>
             <a:extLst>
               <a:ext uri="{91240B29-F687-4f45-9708-019B960494DF}">
-                <a14:hiddenLine xmlns:a14="http://schemas.microsoft.com/office/drawing/2010/main" xmlns="" w="9525">
+                <a14:hiddenLine xmlns="" xmlns:a14="http://schemas.microsoft.com/office/drawing/2010/main" w="9525">
                   <a:solidFill>
                     <a:srgbClr val="000000"/>
                   </a:solidFill>
@@ -3910,7 +3919,7 @@
             </a:ln>
             <a:extLst>
               <a:ext uri="{91240B29-F687-4f45-9708-019B960494DF}">
-                <a14:hiddenLine xmlns:a14="http://schemas.microsoft.com/office/drawing/2010/main" xmlns="" w="9525">
+                <a14:hiddenLine xmlns="" xmlns:a14="http://schemas.microsoft.com/office/drawing/2010/main" w="9525">
                   <a:solidFill>
                     <a:srgbClr val="000000"/>
                   </a:solidFill>
@@ -3972,7 +3981,7 @@
             </a:ln>
             <a:extLst>
               <a:ext uri="{91240B29-F687-4f45-9708-019B960494DF}">
-                <a14:hiddenLine xmlns:a14="http://schemas.microsoft.com/office/drawing/2010/main" xmlns="" w="9525">
+                <a14:hiddenLine xmlns="" xmlns:a14="http://schemas.microsoft.com/office/drawing/2010/main" w="9525">
                   <a:solidFill>
                     <a:srgbClr val="000000"/>
                   </a:solidFill>
@@ -4092,7 +4101,7 @@
             </a:ln>
             <a:extLst>
               <a:ext uri="{91240B29-F687-4f45-9708-019B960494DF}">
-                <a14:hiddenLine xmlns:a14="http://schemas.microsoft.com/office/drawing/2010/main" xmlns="" w="9525">
+                <a14:hiddenLine xmlns="" xmlns:a14="http://schemas.microsoft.com/office/drawing/2010/main" w="9525">
                   <a:solidFill>
                     <a:srgbClr val="000000"/>
                   </a:solidFill>
@@ -4160,7 +4169,7 @@
             </a:ln>
             <a:extLst>
               <a:ext uri="{91240B29-F687-4f45-9708-019B960494DF}">
-                <a14:hiddenLine xmlns:a14="http://schemas.microsoft.com/office/drawing/2010/main" xmlns="" w="9525">
+                <a14:hiddenLine xmlns="" xmlns:a14="http://schemas.microsoft.com/office/drawing/2010/main" w="9525">
                   <a:solidFill>
                     <a:srgbClr val="000000"/>
                   </a:solidFill>
@@ -4250,7 +4259,7 @@
             </a:ln>
             <a:extLst>
               <a:ext uri="{91240B29-F687-4f45-9708-019B960494DF}">
-                <a14:hiddenLine xmlns:a14="http://schemas.microsoft.com/office/drawing/2010/main" xmlns="" w="9525">
+                <a14:hiddenLine xmlns="" xmlns:a14="http://schemas.microsoft.com/office/drawing/2010/main" w="9525">
                   <a:solidFill>
                     <a:srgbClr val="000000"/>
                   </a:solidFill>
@@ -4290,7 +4299,7 @@
           </a:lstStyle>
           <a:p>
             <a:r>
-              <a:rPr lang="en-US" smtClean="0"/>
+              <a:rPr lang="en-US"/>
               <a:t>Click to edit Master title style</a:t>
             </a:r>
             <a:endParaRPr lang="en-US" dirty="0"/>
@@ -4361,7 +4370,7 @@
           </a:lstStyle>
           <a:p>
             <a:r>
-              <a:rPr lang="en-US" smtClean="0"/>
+              <a:rPr lang="en-US"/>
               <a:t>Click to edit Master subtitle style</a:t>
             </a:r>
             <a:endParaRPr lang="en-US" dirty="0"/>
@@ -4505,7 +4514,7 @@
           </a:lstStyle>
           <a:p>
             <a:r>
-              <a:rPr lang="en-US" smtClean="0"/>
+              <a:rPr lang="en-US"/>
               <a:t>Click to edit Master title style</a:t>
             </a:r>
             <a:endParaRPr lang="en-US" dirty="0"/>
@@ -4566,7 +4575,7 @@
               <a:buNone/>
             </a:pPr>
             <a:r>
-              <a:rPr lang="en-US" smtClean="0"/>
+              <a:rPr lang="en-US"/>
               <a:t>Click icon to add picture</a:t>
             </a:r>
             <a:endParaRPr lang="en-US" dirty="0"/>
@@ -4634,7 +4643,7 @@
           <a:p>
             <a:pPr lvl="0"/>
             <a:r>
-              <a:rPr lang="en-US" smtClean="0"/>
+              <a:rPr lang="en-US"/>
               <a:t>Edit Master text styles</a:t>
             </a:r>
           </a:p>
@@ -4762,7 +4771,7 @@
           </a:lstStyle>
           <a:p>
             <a:r>
-              <a:rPr lang="en-US" smtClean="0"/>
+              <a:rPr lang="en-US"/>
               <a:t>Click to edit Master title style</a:t>
             </a:r>
             <a:endParaRPr lang="en-US" dirty="0"/>
@@ -4830,7 +4839,7 @@
           <a:p>
             <a:pPr lvl="0"/>
             <a:r>
-              <a:rPr lang="en-US" smtClean="0"/>
+              <a:rPr lang="en-US"/>
               <a:t>Edit Master text styles</a:t>
             </a:r>
           </a:p>
@@ -4958,7 +4967,7 @@
           </a:lstStyle>
           <a:p>
             <a:r>
-              <a:rPr lang="en-US" smtClean="0"/>
+              <a:rPr lang="en-US"/>
               <a:t>Click to edit Master title style</a:t>
             </a:r>
             <a:endParaRPr lang="en-US" dirty="0"/>
@@ -5026,7 +5035,7 @@
           <a:p>
             <a:pPr lvl="0"/>
             <a:r>
-              <a:rPr lang="en-US" smtClean="0"/>
+              <a:rPr lang="en-US"/>
               <a:t>Edit Master text styles</a:t>
             </a:r>
           </a:p>
@@ -5093,7 +5102,7 @@
           <a:p>
             <a:pPr lvl="0"/>
             <a:r>
-              <a:rPr lang="en-US" smtClean="0"/>
+              <a:rPr lang="en-US"/>
               <a:t>Edit Master text styles</a:t>
             </a:r>
           </a:p>
@@ -5459,7 +5468,7 @@
           </a:lstStyle>
           <a:p>
             <a:r>
-              <a:rPr lang="en-US" smtClean="0"/>
+              <a:rPr lang="en-US"/>
               <a:t>Click to edit Master title style</a:t>
             </a:r>
             <a:endParaRPr lang="en-US" dirty="0"/>
@@ -5527,7 +5536,7 @@
           <a:p>
             <a:pPr lvl="0"/>
             <a:r>
-              <a:rPr lang="en-US" smtClean="0"/>
+              <a:rPr lang="en-US"/>
               <a:t>Edit Master text styles</a:t>
             </a:r>
           </a:p>
@@ -5649,7 +5658,7 @@
           <a:lstStyle/>
           <a:p>
             <a:r>
-              <a:rPr lang="en-US" smtClean="0"/>
+              <a:rPr lang="en-US"/>
               <a:t>Click to edit Master title style</a:t>
             </a:r>
             <a:endParaRPr lang="en-US" dirty="0"/>
@@ -5724,7 +5733,7 @@
           <a:p>
             <a:pPr lvl="0"/>
             <a:r>
-              <a:rPr lang="en-US" smtClean="0"/>
+              <a:rPr lang="en-US"/>
               <a:t>Edit Master text styles</a:t>
             </a:r>
           </a:p>
@@ -5791,7 +5800,7 @@
           <a:p>
             <a:pPr lvl="0"/>
             <a:r>
-              <a:rPr lang="en-US" smtClean="0"/>
+              <a:rPr lang="en-US"/>
               <a:t>Edit Master text styles</a:t>
             </a:r>
           </a:p>
@@ -5865,7 +5874,7 @@
           <a:p>
             <a:pPr lvl="0"/>
             <a:r>
-              <a:rPr lang="en-US" smtClean="0"/>
+              <a:rPr lang="en-US"/>
               <a:t>Edit Master text styles</a:t>
             </a:r>
           </a:p>
@@ -5932,7 +5941,7 @@
           <a:p>
             <a:pPr lvl="0"/>
             <a:r>
-              <a:rPr lang="en-US" smtClean="0"/>
+              <a:rPr lang="en-US"/>
               <a:t>Edit Master text styles</a:t>
             </a:r>
           </a:p>
@@ -6006,7 +6015,7 @@
           <a:p>
             <a:pPr lvl="0"/>
             <a:r>
-              <a:rPr lang="en-US" smtClean="0"/>
+              <a:rPr lang="en-US"/>
               <a:t>Edit Master text styles</a:t>
             </a:r>
           </a:p>
@@ -6073,7 +6082,7 @@
           <a:p>
             <a:pPr lvl="0"/>
             <a:r>
-              <a:rPr lang="en-US" smtClean="0"/>
+              <a:rPr lang="en-US"/>
               <a:t>Edit Master text styles</a:t>
             </a:r>
           </a:p>
@@ -6195,7 +6204,7 @@
           <a:lstStyle/>
           <a:p>
             <a:r>
-              <a:rPr lang="en-US" smtClean="0"/>
+              <a:rPr lang="en-US"/>
               <a:t>Click to edit Master title style</a:t>
             </a:r>
             <a:endParaRPr lang="en-US" dirty="0"/>
@@ -6270,7 +6279,7 @@
           <a:p>
             <a:pPr lvl="0"/>
             <a:r>
-              <a:rPr lang="en-US" smtClean="0"/>
+              <a:rPr lang="en-US"/>
               <a:t>Edit Master text styles</a:t>
             </a:r>
           </a:p>
@@ -6327,7 +6336,7 @@
               <a:buNone/>
             </a:pPr>
             <a:r>
-              <a:rPr lang="en-US" smtClean="0"/>
+              <a:rPr lang="en-US"/>
               <a:t>Click icon to add picture</a:t>
             </a:r>
             <a:endParaRPr lang="en-US" dirty="0"/>
@@ -6395,7 +6404,7 @@
           <a:p>
             <a:pPr lvl="0"/>
             <a:r>
-              <a:rPr lang="en-US" smtClean="0"/>
+              <a:rPr lang="en-US"/>
               <a:t>Edit Master text styles</a:t>
             </a:r>
           </a:p>
@@ -6469,7 +6478,7 @@
           <a:p>
             <a:pPr lvl="0"/>
             <a:r>
-              <a:rPr lang="en-US" smtClean="0"/>
+              <a:rPr lang="en-US"/>
               <a:t>Edit Master text styles</a:t>
             </a:r>
           </a:p>
@@ -6526,7 +6535,7 @@
               <a:buNone/>
             </a:pPr>
             <a:r>
-              <a:rPr lang="en-US" smtClean="0"/>
+              <a:rPr lang="en-US"/>
               <a:t>Click icon to add picture</a:t>
             </a:r>
             <a:endParaRPr lang="en-US" dirty="0"/>
@@ -6594,7 +6603,7 @@
           <a:p>
             <a:pPr lvl="0"/>
             <a:r>
-              <a:rPr lang="en-US" smtClean="0"/>
+              <a:rPr lang="en-US"/>
               <a:t>Edit Master text styles</a:t>
             </a:r>
           </a:p>
@@ -6668,7 +6677,7 @@
           <a:p>
             <a:pPr lvl="0"/>
             <a:r>
-              <a:rPr lang="en-US" smtClean="0"/>
+              <a:rPr lang="en-US"/>
               <a:t>Edit Master text styles</a:t>
             </a:r>
           </a:p>
@@ -6725,7 +6734,7 @@
               <a:buNone/>
             </a:pPr>
             <a:r>
-              <a:rPr lang="en-US" smtClean="0"/>
+              <a:rPr lang="en-US"/>
               <a:t>Click icon to add picture</a:t>
             </a:r>
             <a:endParaRPr lang="en-US" dirty="0"/>
@@ -6793,7 +6802,7 @@
           <a:p>
             <a:pPr lvl="0"/>
             <a:r>
-              <a:rPr lang="en-US" smtClean="0"/>
+              <a:rPr lang="en-US"/>
               <a:t>Edit Master text styles</a:t>
             </a:r>
           </a:p>
@@ -6910,7 +6919,7 @@
           <a:lstStyle/>
           <a:p>
             <a:r>
-              <a:rPr lang="en-US" smtClean="0"/>
+              <a:rPr lang="en-US"/>
               <a:t>Click to edit Master title style</a:t>
             </a:r>
             <a:endParaRPr lang="en-US" dirty="0"/>
@@ -6934,35 +6943,35 @@
           <a:p>
             <a:pPr lvl="0"/>
             <a:r>
-              <a:rPr lang="en-US" smtClean="0"/>
+              <a:rPr lang="en-US"/>
               <a:t>Edit Master text styles</a:t>
             </a:r>
           </a:p>
           <a:p>
             <a:pPr lvl="1"/>
             <a:r>
-              <a:rPr lang="en-US" smtClean="0"/>
+              <a:rPr lang="en-US"/>
               <a:t>Second level</a:t>
             </a:r>
           </a:p>
           <a:p>
             <a:pPr lvl="2"/>
             <a:r>
-              <a:rPr lang="en-US" smtClean="0"/>
+              <a:rPr lang="en-US"/>
               <a:t>Third level</a:t>
             </a:r>
           </a:p>
           <a:p>
             <a:pPr lvl="3"/>
             <a:r>
-              <a:rPr lang="en-US" smtClean="0"/>
+              <a:rPr lang="en-US"/>
               <a:t>Fourth level</a:t>
             </a:r>
           </a:p>
           <a:p>
             <a:pPr lvl="4"/>
             <a:r>
-              <a:rPr lang="en-US" smtClean="0"/>
+              <a:rPr lang="en-US"/>
               <a:t>Fifth level</a:t>
             </a:r>
             <a:endParaRPr lang="en-US" dirty="0"/>
@@ -7085,7 +7094,7 @@
           <a:lstStyle/>
           <a:p>
             <a:r>
-              <a:rPr lang="en-US" smtClean="0"/>
+              <a:rPr lang="en-US"/>
               <a:t>Click to edit Master title style</a:t>
             </a:r>
             <a:endParaRPr lang="en-US" dirty="0"/>
@@ -7114,35 +7123,35 @@
           <a:p>
             <a:pPr lvl="0"/>
             <a:r>
-              <a:rPr lang="en-US" smtClean="0"/>
+              <a:rPr lang="en-US"/>
               <a:t>Edit Master text styles</a:t>
             </a:r>
           </a:p>
           <a:p>
             <a:pPr lvl="1"/>
             <a:r>
-              <a:rPr lang="en-US" smtClean="0"/>
+              <a:rPr lang="en-US"/>
               <a:t>Second level</a:t>
             </a:r>
           </a:p>
           <a:p>
             <a:pPr lvl="2"/>
             <a:r>
-              <a:rPr lang="en-US" smtClean="0"/>
+              <a:rPr lang="en-US"/>
               <a:t>Third level</a:t>
             </a:r>
           </a:p>
           <a:p>
             <a:pPr lvl="3"/>
             <a:r>
-              <a:rPr lang="en-US" smtClean="0"/>
+              <a:rPr lang="en-US"/>
               <a:t>Fourth level</a:t>
             </a:r>
           </a:p>
           <a:p>
             <a:pPr lvl="4"/>
             <a:r>
-              <a:rPr lang="en-US" smtClean="0"/>
+              <a:rPr lang="en-US"/>
               <a:t>Fifth level</a:t>
             </a:r>
             <a:endParaRPr lang="en-US" dirty="0"/>
@@ -7260,7 +7269,7 @@
           <a:lstStyle/>
           <a:p>
             <a:r>
-              <a:rPr lang="en-US" smtClean="0"/>
+              <a:rPr lang="en-US"/>
               <a:t>Click to edit Master title style</a:t>
             </a:r>
             <a:endParaRPr lang="en-US" dirty="0"/>
@@ -7284,35 +7293,35 @@
           <a:p>
             <a:pPr lvl="0"/>
             <a:r>
-              <a:rPr lang="en-US" smtClean="0"/>
+              <a:rPr lang="en-US"/>
               <a:t>Edit Master text styles</a:t>
             </a:r>
           </a:p>
           <a:p>
             <a:pPr lvl="1"/>
             <a:r>
-              <a:rPr lang="en-US" smtClean="0"/>
+              <a:rPr lang="en-US"/>
               <a:t>Second level</a:t>
             </a:r>
           </a:p>
           <a:p>
             <a:pPr lvl="2"/>
             <a:r>
-              <a:rPr lang="en-US" smtClean="0"/>
+              <a:rPr lang="en-US"/>
               <a:t>Third level</a:t>
             </a:r>
           </a:p>
           <a:p>
             <a:pPr lvl="3"/>
             <a:r>
-              <a:rPr lang="en-US" smtClean="0"/>
+              <a:rPr lang="en-US"/>
               <a:t>Fourth level</a:t>
             </a:r>
           </a:p>
           <a:p>
             <a:pPr lvl="4"/>
             <a:r>
-              <a:rPr lang="en-US" smtClean="0"/>
+              <a:rPr lang="en-US"/>
               <a:t>Fifth level</a:t>
             </a:r>
             <a:endParaRPr lang="en-US" dirty="0"/>
@@ -7441,7 +7450,7 @@
           </a:lstStyle>
           <a:p>
             <a:r>
-              <a:rPr lang="en-US" smtClean="0"/>
+              <a:rPr lang="en-US"/>
               <a:t>Click to edit Master title style</a:t>
             </a:r>
             <a:endParaRPr lang="en-US" dirty="0"/>
@@ -7563,7 +7572,7 @@
           <a:p>
             <a:pPr lvl="0"/>
             <a:r>
-              <a:rPr lang="en-US" smtClean="0"/>
+              <a:rPr lang="en-US"/>
               <a:t>Edit Master text styles</a:t>
             </a:r>
           </a:p>
@@ -7680,7 +7689,7 @@
           <a:lstStyle/>
           <a:p>
             <a:r>
-              <a:rPr lang="en-US" smtClean="0"/>
+              <a:rPr lang="en-US"/>
               <a:t>Click to edit Master title style</a:t>
             </a:r>
             <a:endParaRPr lang="en-US" dirty="0"/>
@@ -7709,35 +7718,35 @@
           <a:p>
             <a:pPr lvl="0"/>
             <a:r>
-              <a:rPr lang="en-US" smtClean="0"/>
+              <a:rPr lang="en-US"/>
               <a:t>Edit Master text styles</a:t>
             </a:r>
           </a:p>
           <a:p>
             <a:pPr lvl="1"/>
             <a:r>
-              <a:rPr lang="en-US" smtClean="0"/>
+              <a:rPr lang="en-US"/>
               <a:t>Second level</a:t>
             </a:r>
           </a:p>
           <a:p>
             <a:pPr lvl="2"/>
             <a:r>
-              <a:rPr lang="en-US" smtClean="0"/>
+              <a:rPr lang="en-US"/>
               <a:t>Third level</a:t>
             </a:r>
           </a:p>
           <a:p>
             <a:pPr lvl="3"/>
             <a:r>
-              <a:rPr lang="en-US" smtClean="0"/>
+              <a:rPr lang="en-US"/>
               <a:t>Fourth level</a:t>
             </a:r>
           </a:p>
           <a:p>
             <a:pPr lvl="4"/>
             <a:r>
-              <a:rPr lang="en-US" smtClean="0"/>
+              <a:rPr lang="en-US"/>
               <a:t>Fifth level</a:t>
             </a:r>
             <a:endParaRPr lang="en-US" dirty="0"/>
@@ -7766,35 +7775,35 @@
           <a:p>
             <a:pPr lvl="0"/>
             <a:r>
-              <a:rPr lang="en-US" smtClean="0"/>
+              <a:rPr lang="en-US"/>
               <a:t>Edit Master text styles</a:t>
             </a:r>
           </a:p>
           <a:p>
             <a:pPr lvl="1"/>
             <a:r>
-              <a:rPr lang="en-US" smtClean="0"/>
+              <a:rPr lang="en-US"/>
               <a:t>Second level</a:t>
             </a:r>
           </a:p>
           <a:p>
             <a:pPr lvl="2"/>
             <a:r>
-              <a:rPr lang="en-US" smtClean="0"/>
+              <a:rPr lang="en-US"/>
               <a:t>Third level</a:t>
             </a:r>
           </a:p>
           <a:p>
             <a:pPr lvl="3"/>
             <a:r>
-              <a:rPr lang="en-US" smtClean="0"/>
+              <a:rPr lang="en-US"/>
               <a:t>Fourth level</a:t>
             </a:r>
           </a:p>
           <a:p>
             <a:pPr lvl="4"/>
             <a:r>
-              <a:rPr lang="en-US" smtClean="0"/>
+              <a:rPr lang="en-US"/>
               <a:t>Fifth level</a:t>
             </a:r>
             <a:endParaRPr lang="en-US" dirty="0"/>
@@ -7917,7 +7926,7 @@
           <a:lstStyle/>
           <a:p>
             <a:r>
-              <a:rPr lang="en-US" smtClean="0"/>
+              <a:rPr lang="en-US"/>
               <a:t>Click to edit Master title style</a:t>
             </a:r>
             <a:endParaRPr lang="en-US" dirty="0"/>
@@ -7990,7 +7999,7 @@
           <a:p>
             <a:pPr lvl="0"/>
             <a:r>
-              <a:rPr lang="en-US" smtClean="0"/>
+              <a:rPr lang="en-US"/>
               <a:t>Edit Master text styles</a:t>
             </a:r>
           </a:p>
@@ -8018,35 +8027,35 @@
           <a:p>
             <a:pPr lvl="0"/>
             <a:r>
-              <a:rPr lang="en-US" smtClean="0"/>
+              <a:rPr lang="en-US"/>
               <a:t>Edit Master text styles</a:t>
             </a:r>
           </a:p>
           <a:p>
             <a:pPr lvl="1"/>
             <a:r>
-              <a:rPr lang="en-US" smtClean="0"/>
+              <a:rPr lang="en-US"/>
               <a:t>Second level</a:t>
             </a:r>
           </a:p>
           <a:p>
             <a:pPr lvl="2"/>
             <a:r>
-              <a:rPr lang="en-US" smtClean="0"/>
+              <a:rPr lang="en-US"/>
               <a:t>Third level</a:t>
             </a:r>
           </a:p>
           <a:p>
             <a:pPr lvl="3"/>
             <a:r>
-              <a:rPr lang="en-US" smtClean="0"/>
+              <a:rPr lang="en-US"/>
               <a:t>Fourth level</a:t>
             </a:r>
           </a:p>
           <a:p>
             <a:pPr lvl="4"/>
             <a:r>
-              <a:rPr lang="en-US" smtClean="0"/>
+              <a:rPr lang="en-US"/>
               <a:t>Fifth level</a:t>
             </a:r>
             <a:endParaRPr lang="en-US" dirty="0"/>
@@ -8119,7 +8128,7 @@
           <a:p>
             <a:pPr lvl="0"/>
             <a:r>
-              <a:rPr lang="en-US" smtClean="0"/>
+              <a:rPr lang="en-US"/>
               <a:t>Edit Master text styles</a:t>
             </a:r>
           </a:p>
@@ -8147,35 +8156,35 @@
           <a:p>
             <a:pPr lvl="0"/>
             <a:r>
-              <a:rPr lang="en-US" smtClean="0"/>
+              <a:rPr lang="en-US"/>
               <a:t>Edit Master text styles</a:t>
             </a:r>
           </a:p>
           <a:p>
             <a:pPr lvl="1"/>
             <a:r>
-              <a:rPr lang="en-US" smtClean="0"/>
+              <a:rPr lang="en-US"/>
               <a:t>Second level</a:t>
             </a:r>
           </a:p>
           <a:p>
             <a:pPr lvl="2"/>
             <a:r>
-              <a:rPr lang="en-US" smtClean="0"/>
+              <a:rPr lang="en-US"/>
               <a:t>Third level</a:t>
             </a:r>
           </a:p>
           <a:p>
             <a:pPr lvl="3"/>
             <a:r>
-              <a:rPr lang="en-US" smtClean="0"/>
+              <a:rPr lang="en-US"/>
               <a:t>Fourth level</a:t>
             </a:r>
           </a:p>
           <a:p>
             <a:pPr lvl="4"/>
             <a:r>
-              <a:rPr lang="en-US" smtClean="0"/>
+              <a:rPr lang="en-US"/>
               <a:t>Fifth level</a:t>
             </a:r>
             <a:endParaRPr lang="en-US" dirty="0"/>
@@ -8293,7 +8302,7 @@
           <a:lstStyle/>
           <a:p>
             <a:r>
-              <a:rPr lang="en-US" smtClean="0"/>
+              <a:rPr lang="en-US"/>
               <a:t>Click to edit Master title style</a:t>
             </a:r>
             <a:endParaRPr lang="en-US" dirty="0"/>
@@ -8515,7 +8524,7 @@
           </a:lstStyle>
           <a:p>
             <a:r>
-              <a:rPr lang="en-US" smtClean="0"/>
+              <a:rPr lang="en-US"/>
               <a:t>Click to edit Master title style</a:t>
             </a:r>
             <a:endParaRPr lang="en-US" dirty="0"/>
@@ -8544,35 +8553,35 @@
           <a:p>
             <a:pPr lvl="0"/>
             <a:r>
-              <a:rPr lang="en-US" smtClean="0"/>
+              <a:rPr lang="en-US"/>
               <a:t>Edit Master text styles</a:t>
             </a:r>
           </a:p>
           <a:p>
             <a:pPr lvl="1"/>
             <a:r>
-              <a:rPr lang="en-US" smtClean="0"/>
+              <a:rPr lang="en-US"/>
               <a:t>Second level</a:t>
             </a:r>
           </a:p>
           <a:p>
             <a:pPr lvl="2"/>
             <a:r>
-              <a:rPr lang="en-US" smtClean="0"/>
+              <a:rPr lang="en-US"/>
               <a:t>Third level</a:t>
             </a:r>
           </a:p>
           <a:p>
             <a:pPr lvl="3"/>
             <a:r>
-              <a:rPr lang="en-US" smtClean="0"/>
+              <a:rPr lang="en-US"/>
               <a:t>Fourth level</a:t>
             </a:r>
           </a:p>
           <a:p>
             <a:pPr lvl="4"/>
             <a:r>
-              <a:rPr lang="en-US" smtClean="0"/>
+              <a:rPr lang="en-US"/>
               <a:t>Fifth level</a:t>
             </a:r>
             <a:endParaRPr lang="en-US" dirty="0"/>
@@ -8638,7 +8647,7 @@
           <a:p>
             <a:pPr lvl="0"/>
             <a:r>
-              <a:rPr lang="en-US" smtClean="0"/>
+              <a:rPr lang="en-US"/>
               <a:t>Edit Master text styles</a:t>
             </a:r>
           </a:p>
@@ -8764,7 +8773,7 @@
           </a:lstStyle>
           <a:p>
             <a:r>
-              <a:rPr lang="en-US" smtClean="0"/>
+              <a:rPr lang="en-US"/>
               <a:t>Click to edit Master title style</a:t>
             </a:r>
             <a:endParaRPr lang="en-US" dirty="0"/>
@@ -8852,7 +8861,7 @@
           </a:lstStyle>
           <a:p>
             <a:r>
-              <a:rPr lang="en-US" smtClean="0"/>
+              <a:rPr lang="en-US"/>
               <a:t>Click icon to add picture</a:t>
             </a:r>
             <a:endParaRPr lang="en-US" dirty="0"/>
@@ -8918,7 +8927,7 @@
           <a:p>
             <a:pPr lvl="0"/>
             <a:r>
-              <a:rPr lang="en-US" smtClean="0"/>
+              <a:rPr lang="en-US"/>
               <a:t>Edit Master text styles</a:t>
             </a:r>
           </a:p>
@@ -9057,7 +9066,7 @@
           <a:noFill/>
           <a:extLst>
             <a:ext uri="{909E8E84-426E-40dd-AFC4-6F175D3DCCD1}">
-              <a14:hiddenFill xmlns:a14="http://schemas.microsoft.com/office/drawing/2010/main" xmlns="">
+              <a14:hiddenFill xmlns="" xmlns:a14="http://schemas.microsoft.com/office/drawing/2010/main">
                 <a:solidFill>
                   <a:srgbClr val="FFFFFF"/>
                 </a:solidFill>
@@ -9131,7 +9140,7 @@
               </a:ln>
               <a:extLst>
                 <a:ext uri="{91240B29-F687-4f45-9708-019B960494DF}">
-                  <a14:hiddenLine xmlns:a14="http://schemas.microsoft.com/office/drawing/2010/main" xmlns="" w="9525">
+                  <a14:hiddenLine xmlns="" xmlns:a14="http://schemas.microsoft.com/office/drawing/2010/main" w="9525">
                     <a:solidFill>
                       <a:srgbClr val="000000"/>
                     </a:solidFill>
@@ -9221,7 +9230,7 @@
               </a:ln>
               <a:extLst>
                 <a:ext uri="{91240B29-F687-4f45-9708-019B960494DF}">
-                  <a14:hiddenLine xmlns:a14="http://schemas.microsoft.com/office/drawing/2010/main" xmlns="" w="9525">
+                  <a14:hiddenLine xmlns="" xmlns:a14="http://schemas.microsoft.com/office/drawing/2010/main" w="9525">
                     <a:solidFill>
                       <a:srgbClr val="000000"/>
                     </a:solidFill>
@@ -9311,7 +9320,7 @@
               </a:ln>
               <a:extLst>
                 <a:ext uri="{91240B29-F687-4f45-9708-019B960494DF}">
-                  <a14:hiddenLine xmlns:a14="http://schemas.microsoft.com/office/drawing/2010/main" xmlns="" w="9525">
+                  <a14:hiddenLine xmlns="" xmlns:a14="http://schemas.microsoft.com/office/drawing/2010/main" w="9525">
                     <a:solidFill>
                       <a:srgbClr val="000000"/>
                     </a:solidFill>
@@ -9373,7 +9382,7 @@
               </a:ln>
               <a:extLst>
                 <a:ext uri="{91240B29-F687-4f45-9708-019B960494DF}">
-                  <a14:hiddenLine xmlns:a14="http://schemas.microsoft.com/office/drawing/2010/main" xmlns="" w="9525">
+                  <a14:hiddenLine xmlns="" xmlns:a14="http://schemas.microsoft.com/office/drawing/2010/main" w="9525">
                     <a:solidFill>
                       <a:srgbClr val="000000"/>
                     </a:solidFill>
@@ -9463,7 +9472,7 @@
               </a:ln>
               <a:extLst>
                 <a:ext uri="{91240B29-F687-4f45-9708-019B960494DF}">
-                  <a14:hiddenLine xmlns:a14="http://schemas.microsoft.com/office/drawing/2010/main" xmlns="" w="9525">
+                  <a14:hiddenLine xmlns="" xmlns:a14="http://schemas.microsoft.com/office/drawing/2010/main" w="9525">
                     <a:solidFill>
                       <a:srgbClr val="000000"/>
                     </a:solidFill>
@@ -9525,7 +9534,7 @@
               </a:ln>
               <a:extLst>
                 <a:ext uri="{91240B29-F687-4f45-9708-019B960494DF}">
-                  <a14:hiddenLine xmlns:a14="http://schemas.microsoft.com/office/drawing/2010/main" xmlns="" w="9525">
+                  <a14:hiddenLine xmlns="" xmlns:a14="http://schemas.microsoft.com/office/drawing/2010/main" w="9525">
                     <a:solidFill>
                       <a:srgbClr val="000000"/>
                     </a:solidFill>
@@ -9587,7 +9596,7 @@
               </a:ln>
               <a:extLst>
                 <a:ext uri="{91240B29-F687-4f45-9708-019B960494DF}">
-                  <a14:hiddenLine xmlns:a14="http://schemas.microsoft.com/office/drawing/2010/main" xmlns="" w="9525">
+                  <a14:hiddenLine xmlns="" xmlns:a14="http://schemas.microsoft.com/office/drawing/2010/main" w="9525">
                     <a:solidFill>
                       <a:srgbClr val="000000"/>
                     </a:solidFill>
@@ -9677,7 +9686,7 @@
               </a:ln>
               <a:extLst>
                 <a:ext uri="{91240B29-F687-4f45-9708-019B960494DF}">
-                  <a14:hiddenLine xmlns:a14="http://schemas.microsoft.com/office/drawing/2010/main" xmlns="" w="9525">
+                  <a14:hiddenLine xmlns="" xmlns:a14="http://schemas.microsoft.com/office/drawing/2010/main" w="9525">
                     <a:solidFill>
                       <a:srgbClr val="000000"/>
                     </a:solidFill>
@@ -9767,7 +9776,7 @@
               </a:ln>
               <a:extLst>
                 <a:ext uri="{91240B29-F687-4f45-9708-019B960494DF}">
-                  <a14:hiddenLine xmlns:a14="http://schemas.microsoft.com/office/drawing/2010/main" xmlns="" w="9525">
+                  <a14:hiddenLine xmlns="" xmlns:a14="http://schemas.microsoft.com/office/drawing/2010/main" w="9525">
                     <a:solidFill>
                       <a:srgbClr val="000000"/>
                     </a:solidFill>
@@ -9829,7 +9838,7 @@
               </a:ln>
               <a:extLst>
                 <a:ext uri="{91240B29-F687-4f45-9708-019B960494DF}">
-                  <a14:hiddenLine xmlns:a14="http://schemas.microsoft.com/office/drawing/2010/main" xmlns="" w="9525">
+                  <a14:hiddenLine xmlns="" xmlns:a14="http://schemas.microsoft.com/office/drawing/2010/main" w="9525">
                     <a:solidFill>
                       <a:srgbClr val="000000"/>
                     </a:solidFill>
@@ -9939,7 +9948,7 @@
               </a:ln>
               <a:extLst>
                 <a:ext uri="{91240B29-F687-4f45-9708-019B960494DF}">
-                  <a14:hiddenLine xmlns:a14="http://schemas.microsoft.com/office/drawing/2010/main" xmlns="" w="9525">
+                  <a14:hiddenLine xmlns="" xmlns:a14="http://schemas.microsoft.com/office/drawing/2010/main" w="9525">
                     <a:solidFill>
                       <a:srgbClr val="000000"/>
                     </a:solidFill>
@@ -10023,7 +10032,7 @@
               </a:ln>
               <a:extLst>
                 <a:ext uri="{91240B29-F687-4f45-9708-019B960494DF}">
-                  <a14:hiddenLine xmlns:a14="http://schemas.microsoft.com/office/drawing/2010/main" xmlns="" w="9525">
+                  <a14:hiddenLine xmlns="" xmlns:a14="http://schemas.microsoft.com/office/drawing/2010/main" w="9525">
                     <a:solidFill>
                       <a:srgbClr val="000000"/>
                     </a:solidFill>
@@ -10085,7 +10094,7 @@
               </a:ln>
               <a:extLst>
                 <a:ext uri="{91240B29-F687-4f45-9708-019B960494DF}">
-                  <a14:hiddenLine xmlns:a14="http://schemas.microsoft.com/office/drawing/2010/main" xmlns="" w="9525">
+                  <a14:hiddenLine xmlns="" xmlns:a14="http://schemas.microsoft.com/office/drawing/2010/main" w="9525">
                     <a:solidFill>
                       <a:srgbClr val="000000"/>
                     </a:solidFill>
@@ -10147,7 +10156,7 @@
               </a:ln>
               <a:extLst>
                 <a:ext uri="{91240B29-F687-4f45-9708-019B960494DF}">
-                  <a14:hiddenLine xmlns:a14="http://schemas.microsoft.com/office/drawing/2010/main" xmlns="" w="9525">
+                  <a14:hiddenLine xmlns="" xmlns:a14="http://schemas.microsoft.com/office/drawing/2010/main" w="9525">
                     <a:solidFill>
                       <a:srgbClr val="000000"/>
                     </a:solidFill>
@@ -10237,7 +10246,7 @@
               </a:ln>
               <a:extLst>
                 <a:ext uri="{91240B29-F687-4f45-9708-019B960494DF}">
-                  <a14:hiddenLine xmlns:a14="http://schemas.microsoft.com/office/drawing/2010/main" xmlns="" w="9525">
+                  <a14:hiddenLine xmlns="" xmlns:a14="http://schemas.microsoft.com/office/drawing/2010/main" w="9525">
                     <a:solidFill>
                       <a:srgbClr val="000000"/>
                     </a:solidFill>
@@ -10271,7 +10280,7 @@
               </a:ln>
               <a:extLst>
                 <a:ext uri="{91240B29-F687-4f45-9708-019B960494DF}">
-                  <a14:hiddenLine xmlns:a14="http://schemas.microsoft.com/office/drawing/2010/main" xmlns="" w="9525">
+                  <a14:hiddenLine xmlns="" xmlns:a14="http://schemas.microsoft.com/office/drawing/2010/main" w="9525">
                     <a:solidFill>
                       <a:srgbClr val="000000"/>
                     </a:solidFill>
@@ -10336,7 +10345,7 @@
               </a:ln>
               <a:extLst>
                 <a:ext uri="{91240B29-F687-4f45-9708-019B960494DF}">
-                  <a14:hiddenLine xmlns:a14="http://schemas.microsoft.com/office/drawing/2010/main" xmlns="" w="9525">
+                  <a14:hiddenLine xmlns="" xmlns:a14="http://schemas.microsoft.com/office/drawing/2010/main" w="9525">
                     <a:solidFill>
                       <a:srgbClr val="000000"/>
                     </a:solidFill>
@@ -10426,7 +10435,7 @@
               </a:ln>
               <a:extLst>
                 <a:ext uri="{91240B29-F687-4f45-9708-019B960494DF}">
-                  <a14:hiddenLine xmlns:a14="http://schemas.microsoft.com/office/drawing/2010/main" xmlns="" w="9525">
+                  <a14:hiddenLine xmlns="" xmlns:a14="http://schemas.microsoft.com/office/drawing/2010/main" w="9525">
                     <a:solidFill>
                       <a:srgbClr val="000000"/>
                     </a:solidFill>
@@ -10488,7 +10497,7 @@
               </a:ln>
               <a:extLst>
                 <a:ext uri="{91240B29-F687-4f45-9708-019B960494DF}">
-                  <a14:hiddenLine xmlns:a14="http://schemas.microsoft.com/office/drawing/2010/main" xmlns="" w="9525">
+                  <a14:hiddenLine xmlns="" xmlns:a14="http://schemas.microsoft.com/office/drawing/2010/main" w="9525">
                     <a:solidFill>
                       <a:srgbClr val="000000"/>
                     </a:solidFill>
@@ -10578,7 +10587,7 @@
               </a:ln>
               <a:extLst>
                 <a:ext uri="{91240B29-F687-4f45-9708-019B960494DF}">
-                  <a14:hiddenLine xmlns:a14="http://schemas.microsoft.com/office/drawing/2010/main" xmlns="" w="9525">
+                  <a14:hiddenLine xmlns="" xmlns:a14="http://schemas.microsoft.com/office/drawing/2010/main" w="9525">
                     <a:solidFill>
                       <a:srgbClr val="000000"/>
                     </a:solidFill>
@@ -10643,7 +10652,7 @@
               </a:ln>
               <a:extLst>
                 <a:ext uri="{91240B29-F687-4f45-9708-019B960494DF}">
-                  <a14:hiddenLine xmlns:a14="http://schemas.microsoft.com/office/drawing/2010/main" xmlns="" w="9525">
+                  <a14:hiddenLine xmlns="" xmlns:a14="http://schemas.microsoft.com/office/drawing/2010/main" w="9525">
                     <a:solidFill>
                       <a:srgbClr val="000000"/>
                     </a:solidFill>
@@ -10705,7 +10714,7 @@
               </a:ln>
               <a:extLst>
                 <a:ext uri="{91240B29-F687-4f45-9708-019B960494DF}">
-                  <a14:hiddenLine xmlns:a14="http://schemas.microsoft.com/office/drawing/2010/main" xmlns="" w="9525">
+                  <a14:hiddenLine xmlns="" xmlns:a14="http://schemas.microsoft.com/office/drawing/2010/main" w="9525">
                     <a:solidFill>
                       <a:srgbClr val="000000"/>
                     </a:solidFill>
@@ -10795,7 +10804,7 @@
               </a:ln>
               <a:extLst>
                 <a:ext uri="{91240B29-F687-4f45-9708-019B960494DF}">
-                  <a14:hiddenLine xmlns:a14="http://schemas.microsoft.com/office/drawing/2010/main" xmlns="" w="9525">
+                  <a14:hiddenLine xmlns="" xmlns:a14="http://schemas.microsoft.com/office/drawing/2010/main" w="9525">
                     <a:solidFill>
                       <a:srgbClr val="000000"/>
                     </a:solidFill>
@@ -10885,7 +10894,7 @@
               </a:ln>
               <a:extLst>
                 <a:ext uri="{91240B29-F687-4f45-9708-019B960494DF}">
-                  <a14:hiddenLine xmlns:a14="http://schemas.microsoft.com/office/drawing/2010/main" xmlns="" w="9525">
+                  <a14:hiddenLine xmlns="" xmlns:a14="http://schemas.microsoft.com/office/drawing/2010/main" w="9525">
                     <a:solidFill>
                       <a:srgbClr val="000000"/>
                     </a:solidFill>
@@ -10950,7 +10959,7 @@
               </a:ln>
               <a:extLst>
                 <a:ext uri="{91240B29-F687-4f45-9708-019B960494DF}">
-                  <a14:hiddenLine xmlns:a14="http://schemas.microsoft.com/office/drawing/2010/main" xmlns="" w="9525">
+                  <a14:hiddenLine xmlns="" xmlns:a14="http://schemas.microsoft.com/office/drawing/2010/main" w="9525">
                     <a:solidFill>
                       <a:srgbClr val="000000"/>
                     </a:solidFill>
@@ -11070,7 +11079,7 @@
               </a:ln>
               <a:extLst>
                 <a:ext uri="{91240B29-F687-4f45-9708-019B960494DF}">
-                  <a14:hiddenLine xmlns:a14="http://schemas.microsoft.com/office/drawing/2010/main" xmlns="" w="9525">
+                  <a14:hiddenLine xmlns="" xmlns:a14="http://schemas.microsoft.com/office/drawing/2010/main" w="9525">
                     <a:solidFill>
                       <a:srgbClr val="000000"/>
                     </a:solidFill>
@@ -11168,7 +11177,7 @@
               </a:ln>
               <a:extLst>
                 <a:ext uri="{91240B29-F687-4f45-9708-019B960494DF}">
-                  <a14:hiddenLine xmlns:a14="http://schemas.microsoft.com/office/drawing/2010/main" xmlns="" w="9525">
+                  <a14:hiddenLine xmlns="" xmlns:a14="http://schemas.microsoft.com/office/drawing/2010/main" w="9525">
                     <a:solidFill>
                       <a:srgbClr val="000000"/>
                     </a:solidFill>
@@ -11283,7 +11292,7 @@
               </a:ln>
               <a:extLst>
                 <a:ext uri="{91240B29-F687-4f45-9708-019B960494DF}">
-                  <a14:hiddenLine xmlns:a14="http://schemas.microsoft.com/office/drawing/2010/main" xmlns="" w="9525">
+                  <a14:hiddenLine xmlns="" xmlns:a14="http://schemas.microsoft.com/office/drawing/2010/main" w="9525">
                     <a:solidFill>
                       <a:srgbClr val="000000"/>
                     </a:solidFill>
@@ -11373,7 +11382,7 @@
               </a:ln>
               <a:extLst>
                 <a:ext uri="{91240B29-F687-4f45-9708-019B960494DF}">
-                  <a14:hiddenLine xmlns:a14="http://schemas.microsoft.com/office/drawing/2010/main" xmlns="" w="9525">
+                  <a14:hiddenLine xmlns="" xmlns:a14="http://schemas.microsoft.com/office/drawing/2010/main" w="9525">
                     <a:solidFill>
                       <a:srgbClr val="000000"/>
                     </a:solidFill>
@@ -11438,7 +11447,7 @@
               </a:ln>
               <a:extLst>
                 <a:ext uri="{91240B29-F687-4f45-9708-019B960494DF}">
-                  <a14:hiddenLine xmlns:a14="http://schemas.microsoft.com/office/drawing/2010/main" xmlns="" w="9525">
+                  <a14:hiddenLine xmlns="" xmlns:a14="http://schemas.microsoft.com/office/drawing/2010/main" w="9525">
                     <a:solidFill>
                       <a:srgbClr val="000000"/>
                     </a:solidFill>
@@ -11528,7 +11537,7 @@
               </a:ln>
               <a:extLst>
                 <a:ext uri="{91240B29-F687-4f45-9708-019B960494DF}">
-                  <a14:hiddenLine xmlns:a14="http://schemas.microsoft.com/office/drawing/2010/main" xmlns="" w="9525">
+                  <a14:hiddenLine xmlns="" xmlns:a14="http://schemas.microsoft.com/office/drawing/2010/main" w="9525">
                     <a:solidFill>
                       <a:srgbClr val="000000"/>
                     </a:solidFill>
@@ -11596,7 +11605,7 @@
               </a:ln>
               <a:extLst>
                 <a:ext uri="{91240B29-F687-4f45-9708-019B960494DF}">
-                  <a14:hiddenLine xmlns:a14="http://schemas.microsoft.com/office/drawing/2010/main" xmlns="" w="9525">
+                  <a14:hiddenLine xmlns="" xmlns:a14="http://schemas.microsoft.com/office/drawing/2010/main" w="9525">
                     <a:solidFill>
                       <a:srgbClr val="000000"/>
                     </a:solidFill>
@@ -11686,7 +11695,7 @@
               </a:ln>
               <a:extLst>
                 <a:ext uri="{91240B29-F687-4f45-9708-019B960494DF}">
-                  <a14:hiddenLine xmlns:a14="http://schemas.microsoft.com/office/drawing/2010/main" xmlns="" w="9525">
+                  <a14:hiddenLine xmlns="" xmlns:a14="http://schemas.microsoft.com/office/drawing/2010/main" w="9525">
                     <a:solidFill>
                       <a:srgbClr val="000000"/>
                     </a:solidFill>
@@ -11754,7 +11763,7 @@
               </a:ln>
               <a:extLst>
                 <a:ext uri="{91240B29-F687-4f45-9708-019B960494DF}">
-                  <a14:hiddenLine xmlns:a14="http://schemas.microsoft.com/office/drawing/2010/main" xmlns="" w="9525">
+                  <a14:hiddenLine xmlns="" xmlns:a14="http://schemas.microsoft.com/office/drawing/2010/main" w="9525">
                     <a:solidFill>
                       <a:srgbClr val="000000"/>
                     </a:solidFill>
@@ -11844,7 +11853,7 @@
               </a:ln>
               <a:extLst>
                 <a:ext uri="{91240B29-F687-4f45-9708-019B960494DF}">
-                  <a14:hiddenLine xmlns:a14="http://schemas.microsoft.com/office/drawing/2010/main" xmlns="" w="9525">
+                  <a14:hiddenLine xmlns="" xmlns:a14="http://schemas.microsoft.com/office/drawing/2010/main" w="9525">
                     <a:solidFill>
                       <a:srgbClr val="000000"/>
                     </a:solidFill>
@@ -11878,7 +11887,7 @@
               </a:ln>
               <a:extLst>
                 <a:ext uri="{91240B29-F687-4f45-9708-019B960494DF}">
-                  <a14:hiddenLine xmlns:a14="http://schemas.microsoft.com/office/drawing/2010/main" xmlns="" w="9525">
+                  <a14:hiddenLine xmlns="" xmlns:a14="http://schemas.microsoft.com/office/drawing/2010/main" w="9525">
                     <a:solidFill>
                       <a:srgbClr val="000000"/>
                     </a:solidFill>
@@ -11948,35 +11957,35 @@
           <a:p>
             <a:pPr lvl="0"/>
             <a:r>
-              <a:rPr lang="en-US" smtClean="0"/>
+              <a:rPr lang="en-US"/>
               <a:t>Edit Master text styles</a:t>
             </a:r>
           </a:p>
           <a:p>
             <a:pPr lvl="1"/>
             <a:r>
-              <a:rPr lang="en-US" smtClean="0"/>
+              <a:rPr lang="en-US"/>
               <a:t>Second level</a:t>
             </a:r>
           </a:p>
           <a:p>
             <a:pPr lvl="2"/>
             <a:r>
-              <a:rPr lang="en-US" smtClean="0"/>
+              <a:rPr lang="en-US"/>
               <a:t>Third level</a:t>
             </a:r>
           </a:p>
           <a:p>
             <a:pPr lvl="3"/>
             <a:r>
-              <a:rPr lang="en-US" smtClean="0"/>
+              <a:rPr lang="en-US"/>
               <a:t>Fourth level</a:t>
             </a:r>
           </a:p>
           <a:p>
             <a:pPr lvl="4"/>
             <a:r>
-              <a:rPr lang="en-US" smtClean="0"/>
+              <a:rPr lang="en-US"/>
               <a:t>Fifth level</a:t>
             </a:r>
             <a:endParaRPr lang="en-US" dirty="0"/>
@@ -12454,7 +12463,7 @@
           <a:lstStyle/>
           <a:p>
             <a:r>
-              <a:rPr lang="en-US" sz="4000" dirty="0" smtClean="0"/>
+              <a:rPr lang="en-US" sz="4000" dirty="0"/>
               <a:t>Generative Adversarial Networks</a:t>
             </a:r>
             <a:endParaRPr lang="en-US" dirty="0"/>
@@ -12477,7 +12486,7 @@
           <a:lstStyle/>
           <a:p>
             <a:r>
-              <a:rPr lang="en-US" dirty="0" smtClean="0"/>
+              <a:rPr lang="en-US" dirty="0"/>
               <a:t>An Introduction to GANs</a:t>
             </a:r>
           </a:p>
@@ -12486,10 +12495,9 @@
           </a:p>
           <a:p>
             <a:r>
-              <a:rPr lang="en-US" dirty="0" smtClean="0"/>
+              <a:rPr lang="en-US" dirty="0"/>
               <a:t>Korey MacVittie</a:t>
             </a:r>
-            <a:endParaRPr lang="en-US" dirty="0"/>
           </a:p>
         </p:txBody>
       </p:sp>
@@ -12503,13 +12511,454 @@
   <p:clrMapOvr>
     <a:masterClrMapping/>
   </p:clrMapOvr>
-  <p:timing>
-    <p:tnLst>
-      <p:par>
-        <p:cTn id="1" dur="indefinite" restart="never" nodeType="tmRoot"/>
-      </p:par>
-    </p:tnLst>
-  </p:timing>
+</p:sld>
+</file>
+
+<file path=ppt/slides/slide10.xml><?xml version="1.0" encoding="utf-8"?>
+<p:sld xmlns:a="http://schemas.openxmlformats.org/drawingml/2006/main" xmlns:r="http://schemas.openxmlformats.org/officeDocument/2006/relationships" xmlns:p="http://schemas.openxmlformats.org/presentationml/2006/main">
+  <p:cSld>
+    <p:spTree>
+      <p:nvGrpSpPr>
+        <p:cNvPr id="1" name=""/>
+        <p:cNvGrpSpPr/>
+        <p:nvPr/>
+      </p:nvGrpSpPr>
+      <p:grpSpPr>
+        <a:xfrm>
+          <a:off x="0" y="0"/>
+          <a:ext cx="0" cy="0"/>
+          <a:chOff x="0" y="0"/>
+          <a:chExt cx="0" cy="0"/>
+        </a:xfrm>
+      </p:grpSpPr>
+      <p:sp>
+        <p:nvSpPr>
+          <p:cNvPr id="2" name="Title 1"/>
+          <p:cNvSpPr>
+            <a:spLocks noGrp="1"/>
+          </p:cNvSpPr>
+          <p:nvPr>
+            <p:ph type="title"/>
+          </p:nvPr>
+        </p:nvSpPr>
+        <p:spPr/>
+        <p:txBody>
+          <a:bodyPr/>
+          <a:lstStyle/>
+          <a:p>
+            <a:r>
+              <a:rPr lang="en-US" dirty="0" err="1"/>
+              <a:t>Gan</a:t>
+            </a:r>
+            <a:r>
+              <a:rPr lang="en-US" dirty="0"/>
+              <a:t> Training Loop (Contd.)</a:t>
+            </a:r>
+          </a:p>
+        </p:txBody>
+      </p:sp>
+      <p:sp>
+        <p:nvSpPr>
+          <p:cNvPr id="3" name="Content Placeholder 2"/>
+          <p:cNvSpPr>
+            <a:spLocks noGrp="1"/>
+          </p:cNvSpPr>
+          <p:nvPr>
+            <p:ph idx="1"/>
+          </p:nvPr>
+        </p:nvSpPr>
+        <p:spPr/>
+        <p:txBody>
+          <a:bodyPr/>
+          <a:lstStyle/>
+          <a:p>
+            <a:r>
+              <a:rPr lang="en-US" dirty="0"/>
+              <a:t>Set the discriminator non-trainable</a:t>
+            </a:r>
+          </a:p>
+          <a:p>
+            <a:r>
+              <a:rPr lang="en-US" dirty="0"/>
+              <a:t>Relies on a trained discriminator</a:t>
+            </a:r>
+          </a:p>
+        </p:txBody>
+      </p:sp>
+      <p:pic>
+        <p:nvPicPr>
+          <p:cNvPr id="5" name="Picture 4"/>
+          <p:cNvPicPr>
+            <a:picLocks noChangeAspect="1"/>
+          </p:cNvPicPr>
+          <p:nvPr/>
+        </p:nvPicPr>
+        <p:blipFill>
+          <a:blip r:embed="rId2">
+            <a:extLst>
+              <a:ext uri="{28A0092B-C50C-407E-A947-70E740481C1C}">
+                <a14:useLocalDpi xmlns:a14="http://schemas.microsoft.com/office/drawing/2010/main" val="0"/>
+              </a:ext>
+            </a:extLst>
+          </a:blip>
+          <a:stretch>
+            <a:fillRect/>
+          </a:stretch>
+        </p:blipFill>
+        <p:spPr>
+          <a:xfrm>
+            <a:off x="3252831" y="3484878"/>
+            <a:ext cx="5686338" cy="3084838"/>
+          </a:xfrm>
+          <a:prstGeom prst="rect">
+            <a:avLst/>
+          </a:prstGeom>
+        </p:spPr>
+      </p:pic>
+    </p:spTree>
+    <p:extLst>
+      <p:ext uri="{BB962C8B-B14F-4D97-AF65-F5344CB8AC3E}">
+        <p14:creationId xmlns:p14="http://schemas.microsoft.com/office/powerpoint/2010/main" val="711814622"/>
+      </p:ext>
+    </p:extLst>
+  </p:cSld>
+  <p:clrMapOvr>
+    <a:masterClrMapping/>
+  </p:clrMapOvr>
+</p:sld>
+</file>
+
+<file path=ppt/slides/slide11.xml><?xml version="1.0" encoding="utf-8"?>
+<p:sld xmlns:a="http://schemas.openxmlformats.org/drawingml/2006/main" xmlns:r="http://schemas.openxmlformats.org/officeDocument/2006/relationships" xmlns:p="http://schemas.openxmlformats.org/presentationml/2006/main">
+  <p:cSld>
+    <p:spTree>
+      <p:nvGrpSpPr>
+        <p:cNvPr id="1" name=""/>
+        <p:cNvGrpSpPr/>
+        <p:nvPr/>
+      </p:nvGrpSpPr>
+      <p:grpSpPr>
+        <a:xfrm>
+          <a:off x="0" y="0"/>
+          <a:ext cx="0" cy="0"/>
+          <a:chOff x="0" y="0"/>
+          <a:chExt cx="0" cy="0"/>
+        </a:xfrm>
+      </p:grpSpPr>
+      <p:sp>
+        <p:nvSpPr>
+          <p:cNvPr id="2" name="Title 1"/>
+          <p:cNvSpPr>
+            <a:spLocks noGrp="1"/>
+          </p:cNvSpPr>
+          <p:nvPr>
+            <p:ph type="title"/>
+          </p:nvPr>
+        </p:nvSpPr>
+        <p:spPr/>
+        <p:txBody>
+          <a:bodyPr/>
+          <a:lstStyle/>
+          <a:p>
+            <a:r>
+              <a:rPr lang="en-US" dirty="0"/>
+              <a:t>Problems</a:t>
+            </a:r>
+          </a:p>
+        </p:txBody>
+      </p:sp>
+      <p:sp>
+        <p:nvSpPr>
+          <p:cNvPr id="3" name="Content Placeholder 2"/>
+          <p:cNvSpPr>
+            <a:spLocks noGrp="1"/>
+          </p:cNvSpPr>
+          <p:nvPr>
+            <p:ph idx="1"/>
+          </p:nvPr>
+        </p:nvSpPr>
+        <p:spPr/>
+        <p:txBody>
+          <a:bodyPr/>
+          <a:lstStyle/>
+          <a:p>
+            <a:r>
+              <a:rPr lang="en-US" dirty="0"/>
+              <a:t>Subject to “mode collapse”</a:t>
+            </a:r>
+          </a:p>
+          <a:p>
+            <a:pPr lvl="1"/>
+            <a:r>
+              <a:rPr lang="en-US" dirty="0"/>
+              <a:t>Generator trapped in local minimum</a:t>
+            </a:r>
+          </a:p>
+          <a:p>
+            <a:r>
+              <a:rPr lang="en-US" dirty="0"/>
+              <a:t>Much more difficult to train than most neural networks</a:t>
+            </a:r>
+          </a:p>
+          <a:p>
+            <a:pPr lvl="1"/>
+            <a:r>
+              <a:rPr lang="en-US" dirty="0"/>
+              <a:t>Vanishing gradient much worse: two networks v. only one</a:t>
+            </a:r>
+          </a:p>
+          <a:p>
+            <a:pPr lvl="2"/>
+            <a:r>
+              <a:rPr lang="en-US" dirty="0"/>
+              <a:t>Caution on training the discriminator</a:t>
+            </a:r>
+          </a:p>
+          <a:p>
+            <a:pPr lvl="1"/>
+            <a:r>
+              <a:rPr lang="en-US" dirty="0"/>
+              <a:t>Looking to achieve a Nash equilibrium</a:t>
+            </a:r>
+          </a:p>
+          <a:p>
+            <a:r>
+              <a:rPr lang="en-US" dirty="0"/>
+              <a:t>No proper evaluation metric</a:t>
+            </a:r>
+          </a:p>
+          <a:p>
+            <a:endParaRPr lang="en-US" dirty="0"/>
+          </a:p>
+        </p:txBody>
+      </p:sp>
+    </p:spTree>
+    <p:extLst>
+      <p:ext uri="{BB962C8B-B14F-4D97-AF65-F5344CB8AC3E}">
+        <p14:creationId xmlns:p14="http://schemas.microsoft.com/office/powerpoint/2010/main" val="1994426738"/>
+      </p:ext>
+    </p:extLst>
+  </p:cSld>
+  <p:clrMapOvr>
+    <a:masterClrMapping/>
+  </p:clrMapOvr>
+</p:sld>
+</file>
+
+<file path=ppt/slides/slide12.xml><?xml version="1.0" encoding="utf-8"?>
+<p:sld xmlns:a="http://schemas.openxmlformats.org/drawingml/2006/main" xmlns:r="http://schemas.openxmlformats.org/officeDocument/2006/relationships" xmlns:p="http://schemas.openxmlformats.org/presentationml/2006/main">
+  <p:cSld>
+    <p:spTree>
+      <p:nvGrpSpPr>
+        <p:cNvPr id="1" name=""/>
+        <p:cNvGrpSpPr/>
+        <p:nvPr/>
+      </p:nvGrpSpPr>
+      <p:grpSpPr>
+        <a:xfrm>
+          <a:off x="0" y="0"/>
+          <a:ext cx="0" cy="0"/>
+          <a:chOff x="0" y="0"/>
+          <a:chExt cx="0" cy="0"/>
+        </a:xfrm>
+      </p:grpSpPr>
+      <p:sp>
+        <p:nvSpPr>
+          <p:cNvPr id="2" name="Title 1"/>
+          <p:cNvSpPr>
+            <a:spLocks noGrp="1"/>
+          </p:cNvSpPr>
+          <p:nvPr>
+            <p:ph type="title"/>
+          </p:nvPr>
+        </p:nvSpPr>
+        <p:spPr/>
+        <p:txBody>
+          <a:bodyPr/>
+          <a:lstStyle/>
+          <a:p>
+            <a:r>
+              <a:rPr lang="en-US" dirty="0"/>
+              <a:t>Bibliography &amp; Image Sources</a:t>
+            </a:r>
+          </a:p>
+        </p:txBody>
+      </p:sp>
+      <p:sp>
+        <p:nvSpPr>
+          <p:cNvPr id="3" name="Content Placeholder 2"/>
+          <p:cNvSpPr>
+            <a:spLocks noGrp="1"/>
+          </p:cNvSpPr>
+          <p:nvPr>
+            <p:ph idx="1"/>
+          </p:nvPr>
+        </p:nvSpPr>
+        <p:spPr/>
+        <p:txBody>
+          <a:bodyPr>
+            <a:normAutofit fontScale="47500" lnSpcReduction="20000"/>
+          </a:bodyPr>
+          <a:lstStyle/>
+          <a:p>
+            <a:r>
+              <a:rPr lang="en-US" dirty="0">
+                <a:hlinkClick r:id="rId2"/>
+              </a:rPr>
+              <a:t>https://medium.com/sigmoid/a-brief-introduction-to-gans-and-how-to-code-them-2620ee465c30</a:t>
+            </a:r>
+            <a:r>
+              <a:rPr lang="en-US" dirty="0"/>
+              <a:t> </a:t>
+            </a:r>
+          </a:p>
+          <a:p>
+            <a:r>
+              <a:rPr lang="en-US" dirty="0">
+                <a:hlinkClick r:id="rId3"/>
+              </a:rPr>
+              <a:t>https://towardsdatascience.com/must-read-papers-on-gans-b665bbae3317</a:t>
+            </a:r>
+            <a:r>
+              <a:rPr lang="en-US" dirty="0"/>
+              <a:t> </a:t>
+            </a:r>
+          </a:p>
+          <a:p>
+            <a:r>
+              <a:rPr lang="en-US" dirty="0">
+                <a:hlinkClick r:id="rId4"/>
+              </a:rPr>
+              <a:t>https://towardsdatascience.com/understanding-generative-adversarial-networks-4dafc963f2ef</a:t>
+            </a:r>
+            <a:r>
+              <a:rPr lang="en-US" dirty="0"/>
+              <a:t> </a:t>
+            </a:r>
+          </a:p>
+          <a:p>
+            <a:r>
+              <a:rPr lang="en-US" dirty="0">
+                <a:hlinkClick r:id="rId5"/>
+              </a:rPr>
+              <a:t>https://towardsdatascience.com/generative-adversarial-networks-explained-34472718707a</a:t>
+            </a:r>
+            <a:r>
+              <a:rPr lang="en-US" dirty="0"/>
+              <a:t> </a:t>
+            </a:r>
+          </a:p>
+          <a:p>
+            <a:r>
+              <a:rPr lang="en-US" dirty="0">
+                <a:hlinkClick r:id="rId6"/>
+              </a:rPr>
+              <a:t>https://towardsdatascience.com/art-of-generative-adversarial-networks-gan-62e96a21bc35</a:t>
+            </a:r>
+            <a:r>
+              <a:rPr lang="en-US" dirty="0"/>
+              <a:t> </a:t>
+            </a:r>
+          </a:p>
+          <a:p>
+            <a:r>
+              <a:rPr lang="en-US" dirty="0">
+                <a:hlinkClick r:id="rId7"/>
+              </a:rPr>
+              <a:t>https://towardsdatascience.com/generative-adversarial-networks-gans-for-beginners-82f26753335e</a:t>
+            </a:r>
+            <a:r>
+              <a:rPr lang="en-US" dirty="0"/>
+              <a:t> </a:t>
+            </a:r>
+          </a:p>
+          <a:p>
+            <a:r>
+              <a:rPr lang="en-US" dirty="0">
+                <a:hlinkClick r:id="rId8"/>
+              </a:rPr>
+              <a:t>https://towardsdatascience.com/graduating-in-gans-going-from-understanding-generative-adversarial-networks-to-running-your-own-39804c283399</a:t>
+            </a:r>
+            <a:r>
+              <a:rPr lang="en-US" dirty="0"/>
+              <a:t> </a:t>
+            </a:r>
+          </a:p>
+          <a:p>
+            <a:r>
+              <a:rPr lang="en-US" dirty="0">
+                <a:hlinkClick r:id="rId9"/>
+              </a:rPr>
+              <a:t>https://medium.com/@sharimpervez/a-simple-introduction-to-generative-adversarial-networks-gans-8e327ff65f7c</a:t>
+            </a:r>
+            <a:r>
+              <a:rPr lang="en-US" dirty="0"/>
+              <a:t> </a:t>
+            </a:r>
+          </a:p>
+          <a:p>
+            <a:r>
+              <a:rPr lang="en-US" dirty="0">
+                <a:hlinkClick r:id="rId10"/>
+              </a:rPr>
+              <a:t>https://medium.com/the-downlinq/artificial-colorization-of-grayscale-satellite-imagery-via-gans-part-1-79c8d137e97b</a:t>
+            </a:r>
+            <a:r>
+              <a:rPr lang="en-US" dirty="0"/>
+              <a:t> </a:t>
+            </a:r>
+          </a:p>
+          <a:p>
+            <a:r>
+              <a:rPr lang="en-US" dirty="0">
+                <a:hlinkClick r:id="rId11"/>
+              </a:rPr>
+              <a:t>https://medium.com/deep-math-machine-learning-ai/ch-14-general-adversarial-networks-gans-with-math-1318faf46b43</a:t>
+            </a:r>
+            <a:r>
+              <a:rPr lang="en-US" dirty="0"/>
+              <a:t> </a:t>
+            </a:r>
+          </a:p>
+          <a:p>
+            <a:r>
+              <a:rPr lang="en-US" dirty="0">
+                <a:hlinkClick r:id="rId12"/>
+              </a:rPr>
+              <a:t>https://towardsdatascience.com/generative-adversarial-networks-history-and-overview-7effbb713545</a:t>
+            </a:r>
+            <a:r>
+              <a:rPr lang="en-US" dirty="0"/>
+              <a:t> </a:t>
+            </a:r>
+          </a:p>
+          <a:p>
+            <a:r>
+              <a:rPr lang="en-US" dirty="0">
+                <a:hlinkClick r:id="rId13"/>
+              </a:rPr>
+              <a:t>https://en.wikipedia.org/wiki/Edmond_de_Belamy</a:t>
+            </a:r>
+            <a:r>
+              <a:rPr lang="en-US" dirty="0"/>
+              <a:t> </a:t>
+            </a:r>
+          </a:p>
+          <a:p>
+            <a:endParaRPr lang="en-US" dirty="0"/>
+          </a:p>
+        </p:txBody>
+      </p:sp>
+    </p:spTree>
+    <p:extLst>
+      <p:ext uri="{BB962C8B-B14F-4D97-AF65-F5344CB8AC3E}">
+        <p14:creationId xmlns:p14="http://schemas.microsoft.com/office/powerpoint/2010/main" val="4235987359"/>
+      </p:ext>
+    </p:extLst>
+  </p:cSld>
+  <p:clrMapOvr>
+    <a:masterClrMapping/>
+  </p:clrMapOvr>
 </p:sld>
 </file>
 
@@ -12546,10 +12995,9 @@
           <a:lstStyle/>
           <a:p>
             <a:r>
-              <a:rPr lang="en-US" dirty="0" smtClean="0"/>
+              <a:rPr lang="en-US" dirty="0"/>
               <a:t>Overview</a:t>
             </a:r>
-            <a:endParaRPr lang="en-US" dirty="0"/>
           </a:p>
         </p:txBody>
       </p:sp>
@@ -12569,7 +13017,7 @@
           <a:lstStyle/>
           <a:p>
             <a:r>
-              <a:rPr lang="en-US" dirty="0" smtClean="0"/>
+              <a:rPr lang="en-US" dirty="0"/>
               <a:t>GANs are a type of neural network architecture</a:t>
             </a:r>
           </a:p>
@@ -12577,30 +13025,32 @@
             <a:pPr lvl="1"/>
             <a:r>
               <a:rPr lang="en-US" dirty="0"/>
-              <a:t>T</a:t>
-            </a:r>
-            <a:r>
-              <a:rPr lang="en-US" dirty="0" smtClean="0"/>
-              <a:t>wo competing networks, the “discriminator” and “generator”</a:t>
-            </a:r>
-          </a:p>
-          <a:p>
-            <a:r>
-              <a:rPr lang="en-US" dirty="0" smtClean="0"/>
+              <a:t>Two competing networks, the “discriminator” and “generator”</a:t>
+            </a:r>
+          </a:p>
+          <a:p>
+            <a:r>
+              <a:rPr lang="en-US" dirty="0"/>
               <a:t>Discriminators learn to assign correct labels to input</a:t>
             </a:r>
           </a:p>
           <a:p>
             <a:pPr lvl="1"/>
             <a:r>
-              <a:rPr lang="en-US" dirty="0" smtClean="0"/>
+              <a:rPr lang="en-US" dirty="0"/>
               <a:t>Two inputs, one “real” and one “generated”</a:t>
             </a:r>
           </a:p>
           <a:p>
             <a:r>
-              <a:rPr lang="en-US" dirty="0" smtClean="0"/>
+              <a:rPr lang="en-US" dirty="0"/>
               <a:t>Generators learn to produce output that fools the discriminator</a:t>
+            </a:r>
+          </a:p>
+          <a:p>
+            <a:r>
+              <a:rPr lang="en-US" dirty="0"/>
+              <a:t>The end goal: predict features from label</a:t>
             </a:r>
           </a:p>
           <a:p>
@@ -12618,83 +13068,10 @@
   <p:clrMapOvr>
     <a:masterClrMapping/>
   </p:clrMapOvr>
-  <p:timing>
-    <p:tnLst>
-      <p:par>
-        <p:cTn id="1" dur="indefinite" restart="never" nodeType="tmRoot"/>
-      </p:par>
-    </p:tnLst>
-  </p:timing>
 </p:sld>
 </file>
 
 <file path=ppt/slides/slide3.xml><?xml version="1.0" encoding="utf-8"?>
-<p:sld xmlns:a="http://schemas.openxmlformats.org/drawingml/2006/main" xmlns:r="http://schemas.openxmlformats.org/officeDocument/2006/relationships" xmlns:p="http://schemas.openxmlformats.org/presentationml/2006/main">
-  <p:cSld>
-    <p:spTree>
-      <p:nvGrpSpPr>
-        <p:cNvPr id="1" name=""/>
-        <p:cNvGrpSpPr/>
-        <p:nvPr/>
-      </p:nvGrpSpPr>
-      <p:grpSpPr>
-        <a:xfrm>
-          <a:off x="0" y="0"/>
-          <a:ext cx="0" cy="0"/>
-          <a:chOff x="0" y="0"/>
-          <a:chExt cx="0" cy="0"/>
-        </a:xfrm>
-      </p:grpSpPr>
-      <p:pic>
-        <p:nvPicPr>
-          <p:cNvPr id="4" name="Content Placeholder 3"/>
-          <p:cNvPicPr>
-            <a:picLocks noGrp="1" noChangeAspect="1"/>
-          </p:cNvPicPr>
-          <p:nvPr>
-            <p:ph idx="1"/>
-          </p:nvPr>
-        </p:nvPicPr>
-        <p:blipFill>
-          <a:blip r:embed="rId2">
-            <a:extLst>
-              <a:ext uri="{28A0092B-C50C-407E-A947-70E740481C1C}">
-                <a14:useLocalDpi xmlns:a14="http://schemas.microsoft.com/office/drawing/2010/main" val="0"/>
-              </a:ext>
-            </a:extLst>
-          </a:blip>
-          <a:stretch>
-            <a:fillRect/>
-          </a:stretch>
-        </p:blipFill>
-        <p:spPr>
-          <a:xfrm>
-            <a:off x="1880885" y="628290"/>
-            <a:ext cx="8430230" cy="5601420"/>
-          </a:xfrm>
-        </p:spPr>
-      </p:pic>
-    </p:spTree>
-    <p:extLst>
-      <p:ext uri="{BB962C8B-B14F-4D97-AF65-F5344CB8AC3E}">
-        <p14:creationId xmlns:p14="http://schemas.microsoft.com/office/powerpoint/2010/main" val="2975836776"/>
-      </p:ext>
-    </p:extLst>
-  </p:cSld>
-  <p:clrMapOvr>
-    <a:masterClrMapping/>
-  </p:clrMapOvr>
-  <p:timing>
-    <p:tnLst>
-      <p:par>
-        <p:cTn id="1" dur="indefinite" restart="never" nodeType="tmRoot"/>
-      </p:par>
-    </p:tnLst>
-  </p:timing>
-</p:sld>
-</file>
-
-<file path=ppt/slides/slide4.xml><?xml version="1.0" encoding="utf-8"?>
 <p:sld xmlns:a="http://schemas.openxmlformats.org/drawingml/2006/main" xmlns:r="http://schemas.openxmlformats.org/officeDocument/2006/relationships" xmlns:p="http://schemas.openxmlformats.org/presentationml/2006/main">
   <p:cSld>
     <p:spTree>
@@ -12727,10 +13104,361 @@
           <a:lstStyle/>
           <a:p>
             <a:r>
-              <a:rPr lang="en-US" dirty="0" smtClean="0"/>
+              <a:rPr lang="en-US" dirty="0"/>
+              <a:t>GAN Architecture</a:t>
+            </a:r>
+          </a:p>
+        </p:txBody>
+      </p:sp>
+      <p:pic>
+        <p:nvPicPr>
+          <p:cNvPr id="4" name="Picture 3"/>
+          <p:cNvPicPr>
+            <a:picLocks noChangeAspect="1"/>
+          </p:cNvPicPr>
+          <p:nvPr/>
+        </p:nvPicPr>
+        <p:blipFill>
+          <a:blip r:embed="rId2">
+            <a:extLst>
+              <a:ext uri="{28A0092B-C50C-407E-A947-70E740481C1C}">
+                <a14:useLocalDpi xmlns:a14="http://schemas.microsoft.com/office/drawing/2010/main" val="0"/>
+              </a:ext>
+            </a:extLst>
+          </a:blip>
+          <a:stretch>
+            <a:fillRect/>
+          </a:stretch>
+        </p:blipFill>
+        <p:spPr>
+          <a:xfrm>
+            <a:off x="1351433" y="2097088"/>
+            <a:ext cx="9485957" cy="3901100"/>
+          </a:xfrm>
+          <a:prstGeom prst="rect">
+            <a:avLst/>
+          </a:prstGeom>
+        </p:spPr>
+      </p:pic>
+    </p:spTree>
+    <p:extLst>
+      <p:ext uri="{BB962C8B-B14F-4D97-AF65-F5344CB8AC3E}">
+        <p14:creationId xmlns:p14="http://schemas.microsoft.com/office/powerpoint/2010/main" val="1342709674"/>
+      </p:ext>
+    </p:extLst>
+  </p:cSld>
+  <p:clrMapOvr>
+    <a:masterClrMapping/>
+  </p:clrMapOvr>
+</p:sld>
+</file>
+
+<file path=ppt/slides/slide4.xml><?xml version="1.0" encoding="utf-8"?>
+<p:sld xmlns:a="http://schemas.openxmlformats.org/drawingml/2006/main" xmlns:r="http://schemas.openxmlformats.org/officeDocument/2006/relationships" xmlns:p="http://schemas.openxmlformats.org/presentationml/2006/main">
+  <p:cSld>
+    <p:spTree>
+      <p:nvGrpSpPr>
+        <p:cNvPr id="1" name=""/>
+        <p:cNvGrpSpPr/>
+        <p:nvPr/>
+      </p:nvGrpSpPr>
+      <p:grpSpPr>
+        <a:xfrm>
+          <a:off x="0" y="0"/>
+          <a:ext cx="0" cy="0"/>
+          <a:chOff x="0" y="0"/>
+          <a:chExt cx="0" cy="0"/>
+        </a:xfrm>
+      </p:grpSpPr>
+      <p:pic>
+        <p:nvPicPr>
+          <p:cNvPr id="5" name="Picture 4"/>
+          <p:cNvPicPr>
+            <a:picLocks noChangeAspect="1"/>
+          </p:cNvPicPr>
+          <p:nvPr/>
+        </p:nvPicPr>
+        <p:blipFill>
+          <a:blip r:embed="rId2">
+            <a:extLst>
+              <a:ext uri="{28A0092B-C50C-407E-A947-70E740481C1C}">
+                <a14:useLocalDpi xmlns:a14="http://schemas.microsoft.com/office/drawing/2010/main" val="0"/>
+              </a:ext>
+            </a:extLst>
+          </a:blip>
+          <a:stretch>
+            <a:fillRect/>
+          </a:stretch>
+        </p:blipFill>
+        <p:spPr>
+          <a:xfrm>
+            <a:off x="1323364" y="774221"/>
+            <a:ext cx="9545273" cy="5309558"/>
+          </a:xfrm>
+          <a:prstGeom prst="rect">
+            <a:avLst/>
+          </a:prstGeom>
+        </p:spPr>
+      </p:pic>
+    </p:spTree>
+    <p:extLst>
+      <p:ext uri="{BB962C8B-B14F-4D97-AF65-F5344CB8AC3E}">
+        <p14:creationId xmlns:p14="http://schemas.microsoft.com/office/powerpoint/2010/main" val="2975836776"/>
+      </p:ext>
+    </p:extLst>
+  </p:cSld>
+  <p:clrMapOvr>
+    <a:masterClrMapping/>
+  </p:clrMapOvr>
+</p:sld>
+</file>
+
+<file path=ppt/slides/slide5.xml><?xml version="1.0" encoding="utf-8"?>
+<p:sld xmlns:a="http://schemas.openxmlformats.org/drawingml/2006/main" xmlns:r="http://schemas.openxmlformats.org/officeDocument/2006/relationships" xmlns:p="http://schemas.openxmlformats.org/presentationml/2006/main">
+  <p:cSld>
+    <p:spTree>
+      <p:nvGrpSpPr>
+        <p:cNvPr id="1" name=""/>
+        <p:cNvGrpSpPr/>
+        <p:nvPr/>
+      </p:nvGrpSpPr>
+      <p:grpSpPr>
+        <a:xfrm>
+          <a:off x="0" y="0"/>
+          <a:ext cx="0" cy="0"/>
+          <a:chOff x="0" y="0"/>
+          <a:chExt cx="0" cy="0"/>
+        </a:xfrm>
+      </p:grpSpPr>
+      <p:sp>
+        <p:nvSpPr>
+          <p:cNvPr id="2" name="Title 1"/>
+          <p:cNvSpPr>
+            <a:spLocks noGrp="1"/>
+          </p:cNvSpPr>
+          <p:nvPr>
+            <p:ph type="title"/>
+          </p:nvPr>
+        </p:nvSpPr>
+        <p:spPr/>
+        <p:txBody>
+          <a:bodyPr/>
+          <a:lstStyle/>
+          <a:p>
+            <a:r>
+              <a:rPr lang="en-US" dirty="0"/>
+              <a:t>GAN Use Cases</a:t>
+            </a:r>
+          </a:p>
+        </p:txBody>
+      </p:sp>
+      <p:pic>
+        <p:nvPicPr>
+          <p:cNvPr id="4" name="Content Placeholder 3"/>
+          <p:cNvPicPr>
+            <a:picLocks noGrp="1" noChangeAspect="1"/>
+          </p:cNvPicPr>
+          <p:nvPr>
+            <p:ph idx="1"/>
+          </p:nvPr>
+        </p:nvPicPr>
+        <p:blipFill>
+          <a:blip r:embed="rId2">
+            <a:extLst>
+              <a:ext uri="{28A0092B-C50C-407E-A947-70E740481C1C}">
+                <a14:useLocalDpi xmlns:a14="http://schemas.microsoft.com/office/drawing/2010/main" val="0"/>
+              </a:ext>
+            </a:extLst>
+          </a:blip>
+          <a:stretch>
+            <a:fillRect/>
+          </a:stretch>
+        </p:blipFill>
+        <p:spPr>
+          <a:xfrm>
+            <a:off x="1403404" y="2249488"/>
+            <a:ext cx="9382018" cy="3541712"/>
+          </a:xfrm>
+        </p:spPr>
+      </p:pic>
+    </p:spTree>
+    <p:extLst>
+      <p:ext uri="{BB962C8B-B14F-4D97-AF65-F5344CB8AC3E}">
+        <p14:creationId xmlns:p14="http://schemas.microsoft.com/office/powerpoint/2010/main" val="390541147"/>
+      </p:ext>
+    </p:extLst>
+  </p:cSld>
+  <p:clrMapOvr>
+    <a:masterClrMapping/>
+  </p:clrMapOvr>
+</p:sld>
+</file>
+
+<file path=ppt/slides/slide6.xml><?xml version="1.0" encoding="utf-8"?>
+<p:sld xmlns:a="http://schemas.openxmlformats.org/drawingml/2006/main" xmlns:r="http://schemas.openxmlformats.org/officeDocument/2006/relationships" xmlns:p="http://schemas.openxmlformats.org/presentationml/2006/main">
+  <p:cSld>
+    <p:spTree>
+      <p:nvGrpSpPr>
+        <p:cNvPr id="1" name=""/>
+        <p:cNvGrpSpPr/>
+        <p:nvPr/>
+      </p:nvGrpSpPr>
+      <p:grpSpPr>
+        <a:xfrm>
+          <a:off x="0" y="0"/>
+          <a:ext cx="0" cy="0"/>
+          <a:chOff x="0" y="0"/>
+          <a:chExt cx="0" cy="0"/>
+        </a:xfrm>
+      </p:grpSpPr>
+      <p:sp>
+        <p:nvSpPr>
+          <p:cNvPr id="2" name="Title 1"/>
+          <p:cNvSpPr>
+            <a:spLocks noGrp="1"/>
+          </p:cNvSpPr>
+          <p:nvPr>
+            <p:ph type="title"/>
+          </p:nvPr>
+        </p:nvSpPr>
+        <p:spPr/>
+        <p:txBody>
+          <a:bodyPr/>
+          <a:lstStyle/>
+          <a:p>
+            <a:r>
+              <a:rPr lang="en-US" dirty="0"/>
+              <a:t>Edmond de </a:t>
+            </a:r>
+            <a:r>
+              <a:rPr lang="en-US" dirty="0" err="1"/>
+              <a:t>Belamy</a:t>
+            </a:r>
+            <a:endParaRPr lang="en-US" dirty="0"/>
+          </a:p>
+        </p:txBody>
+      </p:sp>
+      <p:sp>
+        <p:nvSpPr>
+          <p:cNvPr id="3" name="Content Placeholder 2"/>
+          <p:cNvSpPr>
+            <a:spLocks noGrp="1"/>
+          </p:cNvSpPr>
+          <p:nvPr>
+            <p:ph idx="1"/>
+          </p:nvPr>
+        </p:nvSpPr>
+        <p:spPr>
+          <a:xfrm>
+            <a:off x="1141412" y="2249487"/>
+            <a:ext cx="4202375" cy="3541714"/>
+          </a:xfrm>
+        </p:spPr>
+        <p:txBody>
+          <a:bodyPr/>
+          <a:lstStyle/>
+          <a:p>
+            <a:r>
+              <a:rPr lang="en-US" dirty="0"/>
+              <a:t>GAN-generated portrait</a:t>
+            </a:r>
+          </a:p>
+          <a:p>
+            <a:r>
+              <a:rPr lang="en-US" dirty="0"/>
+              <a:t>Produced in 2018</a:t>
+            </a:r>
+          </a:p>
+          <a:p>
+            <a:r>
+              <a:rPr lang="en-US" dirty="0"/>
+              <a:t>Sold at auction for nearly $500,000</a:t>
+            </a:r>
+          </a:p>
+          <a:p>
+            <a:endParaRPr lang="en-US" dirty="0"/>
+          </a:p>
+        </p:txBody>
+      </p:sp>
+      <p:pic>
+        <p:nvPicPr>
+          <p:cNvPr id="4" name="Picture 3"/>
+          <p:cNvPicPr>
+            <a:picLocks noChangeAspect="1"/>
+          </p:cNvPicPr>
+          <p:nvPr/>
+        </p:nvPicPr>
+        <p:blipFill>
+          <a:blip r:embed="rId2">
+            <a:extLst>
+              <a:ext uri="{28A0092B-C50C-407E-A947-70E740481C1C}">
+                <a14:useLocalDpi xmlns:a14="http://schemas.microsoft.com/office/drawing/2010/main" val="0"/>
+              </a:ext>
+            </a:extLst>
+          </a:blip>
+          <a:stretch>
+            <a:fillRect/>
+          </a:stretch>
+        </p:blipFill>
+        <p:spPr>
+          <a:xfrm>
+            <a:off x="6094412" y="996023"/>
+            <a:ext cx="5155498" cy="5172683"/>
+          </a:xfrm>
+          <a:prstGeom prst="rect">
+            <a:avLst/>
+          </a:prstGeom>
+        </p:spPr>
+      </p:pic>
+    </p:spTree>
+    <p:extLst>
+      <p:ext uri="{BB962C8B-B14F-4D97-AF65-F5344CB8AC3E}">
+        <p14:creationId xmlns:p14="http://schemas.microsoft.com/office/powerpoint/2010/main" val="3315981915"/>
+      </p:ext>
+    </p:extLst>
+  </p:cSld>
+  <p:clrMapOvr>
+    <a:masterClrMapping/>
+  </p:clrMapOvr>
+</p:sld>
+</file>
+
+<file path=ppt/slides/slide7.xml><?xml version="1.0" encoding="utf-8"?>
+<p:sld xmlns:a="http://schemas.openxmlformats.org/drawingml/2006/main" xmlns:r="http://schemas.openxmlformats.org/officeDocument/2006/relationships" xmlns:p="http://schemas.openxmlformats.org/presentationml/2006/main">
+  <p:cSld>
+    <p:spTree>
+      <p:nvGrpSpPr>
+        <p:cNvPr id="1" name=""/>
+        <p:cNvGrpSpPr/>
+        <p:nvPr/>
+      </p:nvGrpSpPr>
+      <p:grpSpPr>
+        <a:xfrm>
+          <a:off x="0" y="0"/>
+          <a:ext cx="0" cy="0"/>
+          <a:chOff x="0" y="0"/>
+          <a:chExt cx="0" cy="0"/>
+        </a:xfrm>
+      </p:grpSpPr>
+      <p:sp>
+        <p:nvSpPr>
+          <p:cNvPr id="2" name="Title 1"/>
+          <p:cNvSpPr>
+            <a:spLocks noGrp="1"/>
+          </p:cNvSpPr>
+          <p:nvPr>
+            <p:ph type="title"/>
+          </p:nvPr>
+        </p:nvSpPr>
+        <p:spPr/>
+        <p:txBody>
+          <a:bodyPr/>
+          <a:lstStyle/>
+          <a:p>
+            <a:r>
+              <a:rPr lang="en-US" dirty="0"/>
               <a:t>Generator</a:t>
             </a:r>
-            <a:endParaRPr lang="en-US" dirty="0"/>
           </a:p>
         </p:txBody>
       </p:sp>
@@ -12750,19 +13478,19 @@
           <a:lstStyle/>
           <a:p>
             <a:r>
-              <a:rPr lang="en-US" dirty="0" smtClean="0"/>
+              <a:rPr lang="en-US" dirty="0"/>
               <a:t>Generators typically begin by producing “garbage”</a:t>
             </a:r>
           </a:p>
           <a:p>
             <a:r>
-              <a:rPr lang="en-US" dirty="0" smtClean="0"/>
+              <a:rPr lang="en-US" dirty="0"/>
               <a:t>Uses back-propagation to improve generation</a:t>
             </a:r>
           </a:p>
           <a:p>
             <a:r>
-              <a:rPr lang="en-US" dirty="0" smtClean="0"/>
+              <a:rPr lang="en-US" dirty="0"/>
               <a:t>Relies on the discriminator</a:t>
             </a:r>
           </a:p>
@@ -12808,17 +13536,10 @@
   <p:clrMapOvr>
     <a:masterClrMapping/>
   </p:clrMapOvr>
-  <p:timing>
-    <p:tnLst>
-      <p:par>
-        <p:cTn id="1" dur="indefinite" restart="never" nodeType="tmRoot"/>
-      </p:par>
-    </p:tnLst>
-  </p:timing>
 </p:sld>
 </file>
 
-<file path=ppt/slides/slide5.xml><?xml version="1.0" encoding="utf-8"?>
+<file path=ppt/slides/slide8.xml><?xml version="1.0" encoding="utf-8"?>
 <p:sld xmlns:a="http://schemas.openxmlformats.org/drawingml/2006/main" xmlns:r="http://schemas.openxmlformats.org/officeDocument/2006/relationships" xmlns:p="http://schemas.openxmlformats.org/presentationml/2006/main">
   <p:cSld>
     <p:spTree>
@@ -12851,10 +13572,9 @@
           <a:lstStyle/>
           <a:p>
             <a:r>
-              <a:rPr lang="en-US" dirty="0" smtClean="0"/>
+              <a:rPr lang="en-US" dirty="0"/>
               <a:t>Discriminator</a:t>
             </a:r>
-            <a:endParaRPr lang="en-US" dirty="0"/>
           </a:p>
         </p:txBody>
       </p:sp>
@@ -12874,18 +13594,18 @@
           <a:lstStyle/>
           <a:p>
             <a:r>
-              <a:rPr lang="en-US" dirty="0" smtClean="0"/>
-              <a:t>Requires labeled data</a:t>
-            </a:r>
-          </a:p>
-          <a:p>
-            <a:r>
-              <a:rPr lang="en-US" dirty="0" smtClean="0"/>
+              <a:rPr lang="en-US" dirty="0"/>
+              <a:t>Requires known data</a:t>
+            </a:r>
+          </a:p>
+          <a:p>
+            <a:r>
+              <a:rPr lang="en-US" dirty="0"/>
               <a:t>Training requires labeled and generated data</a:t>
             </a:r>
           </a:p>
           <a:p>
-            <a:endParaRPr lang="en-US" dirty="0" smtClean="0"/>
+            <a:endParaRPr lang="en-US" dirty="0"/>
           </a:p>
         </p:txBody>
       </p:sp>
@@ -12932,7 +13652,7 @@
 </p:sld>
 </file>
 
-<file path=ppt/slides/slide6.xml><?xml version="1.0" encoding="utf-8"?>
+<file path=ppt/slides/slide9.xml><?xml version="1.0" encoding="utf-8"?>
 <p:sld xmlns:a="http://schemas.openxmlformats.org/drawingml/2006/main" xmlns:r="http://schemas.openxmlformats.org/officeDocument/2006/relationships" xmlns:p="http://schemas.openxmlformats.org/presentationml/2006/main">
   <p:cSld>
     <p:spTree>
@@ -12965,14 +13685,13 @@
           <a:lstStyle/>
           <a:p>
             <a:r>
-              <a:rPr lang="en-US" dirty="0" err="1" smtClean="0"/>
+              <a:rPr lang="en-US" dirty="0" err="1"/>
               <a:t>Gan</a:t>
             </a:r>
             <a:r>
-              <a:rPr lang="en-US" dirty="0" smtClean="0"/>
+              <a:rPr lang="en-US" dirty="0"/>
               <a:t> Training Loop</a:t>
             </a:r>
-            <a:endParaRPr lang="en-US" dirty="0"/>
           </a:p>
         </p:txBody>
       </p:sp>
@@ -12992,143 +13711,17 @@
           <a:lstStyle/>
           <a:p>
             <a:r>
-              <a:rPr lang="en-US" dirty="0" smtClean="0"/>
+              <a:rPr lang="en-US" dirty="0"/>
               <a:t>Make the discriminator trainable</a:t>
             </a:r>
           </a:p>
           <a:p>
             <a:r>
-              <a:rPr lang="en-US" dirty="0" smtClean="0"/>
+              <a:rPr lang="en-US" dirty="0"/>
               <a:t>Train discriminator with both real and generated input</a:t>
             </a:r>
           </a:p>
           <a:p>
-            <a:endParaRPr lang="en-US" dirty="0" smtClean="0"/>
-          </a:p>
-        </p:txBody>
-      </p:sp>
-      <p:pic>
-        <p:nvPicPr>
-          <p:cNvPr id="5" name="Picture 4"/>
-          <p:cNvPicPr>
-            <a:picLocks noChangeAspect="1"/>
-          </p:cNvPicPr>
-          <p:nvPr/>
-        </p:nvPicPr>
-        <p:blipFill>
-          <a:blip r:embed="rId2">
-            <a:extLst>
-              <a:ext uri="{28A0092B-C50C-407E-A947-70E740481C1C}">
-                <a14:useLocalDpi xmlns:a14="http://schemas.microsoft.com/office/drawing/2010/main" val="0"/>
-              </a:ext>
-            </a:extLst>
-          </a:blip>
-          <a:stretch>
-            <a:fillRect/>
-          </a:stretch>
-        </p:blipFill>
-        <p:spPr>
-          <a:xfrm>
-            <a:off x="2234840" y="3391278"/>
-            <a:ext cx="7722320" cy="3339903"/>
-          </a:xfrm>
-          <a:prstGeom prst="rect">
-            <a:avLst/>
-          </a:prstGeom>
-        </p:spPr>
-      </p:pic>
-    </p:spTree>
-    <p:extLst>
-      <p:ext uri="{BB962C8B-B14F-4D97-AF65-F5344CB8AC3E}">
-        <p14:creationId xmlns:p14="http://schemas.microsoft.com/office/powerpoint/2010/main" val="3010212789"/>
-      </p:ext>
-    </p:extLst>
-  </p:cSld>
-  <p:clrMapOvr>
-    <a:masterClrMapping/>
-  </p:clrMapOvr>
-</p:sld>
-</file>
-
-<file path=ppt/slides/slide7.xml><?xml version="1.0" encoding="utf-8"?>
-<p:sld xmlns:a="http://schemas.openxmlformats.org/drawingml/2006/main" xmlns:r="http://schemas.openxmlformats.org/officeDocument/2006/relationships" xmlns:p="http://schemas.openxmlformats.org/presentationml/2006/main">
-  <p:cSld>
-    <p:spTree>
-      <p:nvGrpSpPr>
-        <p:cNvPr id="1" name=""/>
-        <p:cNvGrpSpPr/>
-        <p:nvPr/>
-      </p:nvGrpSpPr>
-      <p:grpSpPr>
-        <a:xfrm>
-          <a:off x="0" y="0"/>
-          <a:ext cx="0" cy="0"/>
-          <a:chOff x="0" y="0"/>
-          <a:chExt cx="0" cy="0"/>
-        </a:xfrm>
-      </p:grpSpPr>
-      <p:sp>
-        <p:nvSpPr>
-          <p:cNvPr id="2" name="Title 1"/>
-          <p:cNvSpPr>
-            <a:spLocks noGrp="1"/>
-          </p:cNvSpPr>
-          <p:nvPr>
-            <p:ph type="title"/>
-          </p:nvPr>
-        </p:nvSpPr>
-        <p:spPr/>
-        <p:txBody>
-          <a:bodyPr/>
-          <a:lstStyle/>
-          <a:p>
-            <a:r>
-              <a:rPr lang="en-US" dirty="0" err="1" smtClean="0"/>
-              <a:t>Gan</a:t>
-            </a:r>
-            <a:r>
-              <a:rPr lang="en-US" dirty="0" smtClean="0"/>
-              <a:t> Training Loop (Contd.)</a:t>
-            </a:r>
-            <a:endParaRPr lang="en-US" dirty="0"/>
-          </a:p>
-        </p:txBody>
-      </p:sp>
-      <p:sp>
-        <p:nvSpPr>
-          <p:cNvPr id="3" name="Content Placeholder 2"/>
-          <p:cNvSpPr>
-            <a:spLocks noGrp="1"/>
-          </p:cNvSpPr>
-          <p:nvPr>
-            <p:ph idx="1"/>
-          </p:nvPr>
-        </p:nvSpPr>
-        <p:spPr/>
-        <p:txBody>
-          <a:bodyPr/>
-          <a:lstStyle/>
-          <a:p>
-            <a:r>
-              <a:rPr lang="en-US" dirty="0"/>
-              <a:t>Set the discriminator non-trainable</a:t>
-            </a:r>
-          </a:p>
-          <a:p>
-            <a:r>
-              <a:rPr lang="en-US" dirty="0"/>
-              <a:t>Train generator using “noise” and </a:t>
-            </a:r>
-            <a:r>
-              <a:rPr lang="en-US" dirty="0" smtClean="0"/>
-              <a:t>feedback</a:t>
-            </a:r>
-          </a:p>
-          <a:p>
-            <a:r>
-              <a:rPr lang="en-US" dirty="0" smtClean="0"/>
-              <a:t>Relies on a trained discriminator</a:t>
-            </a:r>
             <a:endParaRPr lang="en-US" dirty="0"/>
           </a:p>
         </p:txBody>
@@ -13155,8 +13748,8 @@
         </p:blipFill>
         <p:spPr>
           <a:xfrm>
-            <a:off x="1066800" y="4713071"/>
-            <a:ext cx="10058400" cy="1592580"/>
+            <a:off x="3404628" y="3519130"/>
+            <a:ext cx="5382745" cy="3074893"/>
           </a:xfrm>
           <a:prstGeom prst="rect">
             <a:avLst/>
@@ -13166,89 +13759,7 @@
     </p:spTree>
     <p:extLst>
       <p:ext uri="{BB962C8B-B14F-4D97-AF65-F5344CB8AC3E}">
-        <p14:creationId xmlns:p14="http://schemas.microsoft.com/office/powerpoint/2010/main" val="711814622"/>
-      </p:ext>
-    </p:extLst>
-  </p:cSld>
-  <p:clrMapOvr>
-    <a:masterClrMapping/>
-  </p:clrMapOvr>
-</p:sld>
-</file>
-
-<file path=ppt/slides/slide8.xml><?xml version="1.0" encoding="utf-8"?>
-<p:sld xmlns:a="http://schemas.openxmlformats.org/drawingml/2006/main" xmlns:r="http://schemas.openxmlformats.org/officeDocument/2006/relationships" xmlns:p="http://schemas.openxmlformats.org/presentationml/2006/main">
-  <p:cSld>
-    <p:spTree>
-      <p:nvGrpSpPr>
-        <p:cNvPr id="1" name=""/>
-        <p:cNvGrpSpPr/>
-        <p:nvPr/>
-      </p:nvGrpSpPr>
-      <p:grpSpPr>
-        <a:xfrm>
-          <a:off x="0" y="0"/>
-          <a:ext cx="0" cy="0"/>
-          <a:chOff x="0" y="0"/>
-          <a:chExt cx="0" cy="0"/>
-        </a:xfrm>
-      </p:grpSpPr>
-      <p:sp>
-        <p:nvSpPr>
-          <p:cNvPr id="2" name="Title 1"/>
-          <p:cNvSpPr>
-            <a:spLocks noGrp="1"/>
-          </p:cNvSpPr>
-          <p:nvPr>
-            <p:ph type="title"/>
-          </p:nvPr>
-        </p:nvSpPr>
-        <p:spPr/>
-        <p:txBody>
-          <a:bodyPr/>
-          <a:lstStyle/>
-          <a:p>
-            <a:r>
-              <a:rPr lang="en-US" dirty="0" smtClean="0"/>
-              <a:t>GAN Use Cases</a:t>
-            </a:r>
-            <a:endParaRPr lang="en-US" dirty="0"/>
-          </a:p>
-        </p:txBody>
-      </p:sp>
-      <p:pic>
-        <p:nvPicPr>
-          <p:cNvPr id="4" name="Content Placeholder 3"/>
-          <p:cNvPicPr>
-            <a:picLocks noGrp="1" noChangeAspect="1"/>
-          </p:cNvPicPr>
-          <p:nvPr>
-            <p:ph idx="1"/>
-          </p:nvPr>
-        </p:nvPicPr>
-        <p:blipFill>
-          <a:blip r:embed="rId2">
-            <a:extLst>
-              <a:ext uri="{28A0092B-C50C-407E-A947-70E740481C1C}">
-                <a14:useLocalDpi xmlns:a14="http://schemas.microsoft.com/office/drawing/2010/main" val="0"/>
-              </a:ext>
-            </a:extLst>
-          </a:blip>
-          <a:stretch>
-            <a:fillRect/>
-          </a:stretch>
-        </p:blipFill>
-        <p:spPr>
-          <a:xfrm>
-            <a:off x="1403404" y="2249488"/>
-            <a:ext cx="9382018" cy="3541712"/>
-          </a:xfrm>
-        </p:spPr>
-      </p:pic>
-    </p:spTree>
-    <p:extLst>
-      <p:ext uri="{BB962C8B-B14F-4D97-AF65-F5344CB8AC3E}">
-        <p14:creationId xmlns:p14="http://schemas.microsoft.com/office/powerpoint/2010/main" val="390541147"/>
+        <p14:creationId xmlns:p14="http://schemas.microsoft.com/office/powerpoint/2010/main" val="3010212789"/>
       </p:ext>
     </p:extLst>
   </p:cSld>
